--- a/nlp-exploration-notebooks-main/nlp-exploration-notebooks-main/Results/NLP_Toolkit - comments.pptx
+++ b/nlp-exploration-notebooks-main/nlp-exploration-notebooks-main/Results/NLP_Toolkit - comments.pptx
@@ -5,7 +5,7 @@
     <p:sldMasterId id="2147483658" r:id="rId4"/>
   </p:sldMasterIdLst>
   <p:notesMasterIdLst>
-    <p:notesMasterId r:id="rId24"/>
+    <p:notesMasterId r:id="rId25"/>
   </p:notesMasterIdLst>
   <p:sldIdLst>
     <p:sldId id="258" r:id="rId5"/>
@@ -22,16 +22,17 @@
     <p:sldId id="277" r:id="rId16"/>
     <p:sldId id="267" r:id="rId17"/>
     <p:sldId id="268" r:id="rId18"/>
-    <p:sldId id="272" r:id="rId19"/>
-    <p:sldId id="278" r:id="rId20"/>
-    <p:sldId id="273" r:id="rId21"/>
-    <p:sldId id="274" r:id="rId22"/>
-    <p:sldId id="275" r:id="rId23"/>
+    <p:sldId id="279" r:id="rId19"/>
+    <p:sldId id="272" r:id="rId20"/>
+    <p:sldId id="278" r:id="rId21"/>
+    <p:sldId id="273" r:id="rId22"/>
+    <p:sldId id="274" r:id="rId23"/>
+    <p:sldId id="275" r:id="rId24"/>
   </p:sldIdLst>
   <p:sldSz cx="12192000" cy="6858000"/>
   <p:notesSz cx="6858000" cy="9144000"/>
   <p:custDataLst>
-    <p:tags r:id="rId25"/>
+    <p:tags r:id="rId26"/>
   </p:custDataLst>
   <p:defaultTextStyle>
     <a:defPPr>
@@ -148,8 +149,9 @@
 <file path=ppt/revisionInfo.xml><?xml version="1.0" encoding="utf-8"?>
 <p1510:revInfo xmlns:a="http://schemas.openxmlformats.org/drawingml/2006/main" xmlns:r="http://schemas.openxmlformats.org/officeDocument/2006/relationships" xmlns:p1510="http://schemas.microsoft.com/office/powerpoint/2015/10/main">
   <p1510:revLst>
-    <p1510:client id="{62300559-C130-C1C6-911A-229BA8A77660}" v="22" dt="2022-09-06T14:05:59.163"/>
+    <p1510:client id="{62300559-C130-C1C6-911A-229BA8A77660}" v="818" dt="2022-09-06T18:17:54.834"/>
     <p1510:client id="{76B8F0BD-4DD6-6871-CF11-B7A0374781BD}" v="1736" dt="2022-09-02T20:03:18.056"/>
+    <p1510:client id="{CBD61404-481C-0BCB-E3D8-6C96FE2194B6}" v="441" dt="2022-09-07T14:16:52.610"/>
   </p1510:revLst>
 </p1510:revInfo>
 </file>
@@ -318,7 +320,7 @@
       <pc:sldMk xmlns:pc="http://schemas.microsoft.com/office/powerpoint/2013/main/command" cId="3050202143" sldId="266"/>
       <ac:spMk id="7" creationId="{43B25AB8-E67A-4DA5-A786-C1B9BDB2C529}"/>
       <ac:txMk cp="12" len="10">
-        <ac:context len="597" hash="550116056"/>
+        <ac:context len="69" hash="1599713639"/>
       </ac:txMk>
     </ac:txMkLst>
     <p188:pos x="2710151" y="273912"/>
@@ -584,6 +586,64 @@
 </p188:cmLst>
 </file>
 
+<file path=ppt/comments/modernComment_117_4D0A67C6.xml><?xml version="1.0" encoding="utf-8"?>
+<p188:cmLst xmlns:a="http://schemas.openxmlformats.org/drawingml/2006/main" xmlns:r="http://schemas.openxmlformats.org/officeDocument/2006/relationships" xmlns:p188="http://schemas.microsoft.com/office/powerpoint/2018/8/main">
+  <p188:cm id="{3CA75150-0DF6-43C5-898A-721A57D04747}" authorId="{CA21D4CA-8023-BEAD-A4F2-DCFA4F2EA25A}" status="resolved" created="2022-09-01T15:22:30.567" complete="100000">
+    <ac:txMkLst xmlns:ac="http://schemas.microsoft.com/office/drawing/2013/main/command">
+      <pc:docMk xmlns:pc="http://schemas.microsoft.com/office/powerpoint/2013/main/command"/>
+      <pc:sldMk xmlns:pc="http://schemas.microsoft.com/office/powerpoint/2013/main/command" cId="1292527558" sldId="279"/>
+      <ac:spMk id="7" creationId="{43B25AB8-E67A-4DA5-A786-C1B9BDB2C529}"/>
+      <ac:txMk cp="12" len="10">
+        <ac:context len="92" hash="3448347256"/>
+      </ac:txMk>
+    </ac:txMkLst>
+    <p188:pos x="2710151" y="273912"/>
+    <p188:txBody>
+      <a:bodyPr/>
+      <a:lstStyle/>
+      <a:p>
+        <a:r>
+          <a:rPr lang="en-CA"/>
+          <a:t>Link to model again</a:t>
+        </a:r>
+      </a:p>
+    </p188:txBody>
+  </p188:cm>
+  <p188:cm id="{8417827E-7DD4-4F68-A8DB-74F952580489}" authorId="{CA21D4CA-8023-BEAD-A4F2-DCFA4F2EA25A}" status="resolved" created="2022-09-01T15:24:19.819" complete="100000">
+    <pc:sldMkLst xmlns:pc="http://schemas.microsoft.com/office/powerpoint/2013/main/command">
+      <pc:docMk/>
+      <pc:sldMk cId="3050202143" sldId="266"/>
+    </pc:sldMkLst>
+    <p188:txBody>
+      <a:bodyPr/>
+      <a:lstStyle/>
+      <a:p>
+        <a:r>
+          <a:rPr lang="en-CA"/>
+          <a:t>A total word count (all docs) and total time would help to know the efficiency, since other people don't know how big these documents are. For example you did this in the James Webb html on another slide which was useful</a:t>
+        </a:r>
+      </a:p>
+    </p188:txBody>
+  </p188:cm>
+  <p188:cm id="{015B356A-C12F-424B-87CE-1731A4B214AA}" authorId="{CA21D4CA-8023-BEAD-A4F2-DCFA4F2EA25A}" created="2022-09-01T15:25:00.391">
+    <pc:sldMkLst xmlns:pc="http://schemas.microsoft.com/office/powerpoint/2013/main/command">
+      <pc:docMk/>
+      <pc:sldMk cId="3050202143" sldId="266"/>
+    </pc:sldMkLst>
+    <p188:txBody>
+      <a:bodyPr/>
+      <a:lstStyle/>
+      <a:p>
+        <a:r>
+          <a:rPr lang="en-CA"/>
+          <a:t>People will likely ask if the summarizer works on documents that aren't meeting notes... does it?</a:t>
+        </a:r>
+      </a:p>
+    </p188:txBody>
+  </p188:cm>
+</p188:cmLst>
+</file>
+
 <file path=ppt/notesMasters/notesMaster1.xml><?xml version="1.0" encoding="utf-8"?>
 <p:notesMaster xmlns:a="http://schemas.openxmlformats.org/drawingml/2006/main" xmlns:r="http://schemas.openxmlformats.org/officeDocument/2006/relationships" xmlns:p="http://schemas.openxmlformats.org/presentationml/2006/main">
   <p:cSld>
@@ -666,7 +726,7 @@
           <a:p>
             <a:fld id="{BAFC0324-B0C5-4608-91F8-17689F723977}" type="datetimeFigureOut">
               <a:rPr lang="en-CA" smtClean="0"/>
-              <a:t>2022-09-06</a:t>
+              <a:t>2022-09-07</a:t>
             </a:fld>
             <a:endParaRPr lang="en-CA"/>
           </a:p>
@@ -3964,21 +4024,58 @@
               <a:t>Data frame: </a:t>
             </a:r>
             <a:r>
-              <a:rPr lang="en-CA" sz="2000" b="1" dirty="0">
+              <a:rPr lang="en-CA" sz="2000" b="0" dirty="0">
                 <a:solidFill>
-                  <a:schemeClr val="accent5"/>
+                  <a:srgbClr val="0070C0"/>
                 </a:solidFill>
-                <a:latin typeface="+mj-lt"/>
-                <a:cs typeface="Arial"/>
-              </a:rPr>
-              <a:t>Distilbert-base-uncased-finetuned-sst-2-english</a:t>
-            </a:r>
+                <a:ea typeface="+mn-lt"/>
+                <a:cs typeface="+mn-lt"/>
+                <a:hlinkClick r:id="rId3"/>
+              </a:rPr>
+              <a:t>nlptown/bert-base-multilingual-uncased-sentiment · Hugging Face</a:t>
+            </a:r>
+            <a:r>
+              <a:rPr lang="en-US" sz="2000" b="0" dirty="0">
+                <a:ea typeface="+mn-lt"/>
+                <a:cs typeface="+mn-lt"/>
+              </a:rPr>
+              <a:t> </a:t>
+            </a:r>
+            <a:endParaRPr lang="en-CA" sz="2000" b="0">
+              <a:ea typeface="+mn-lt"/>
+              <a:cs typeface="+mn-lt"/>
+            </a:endParaRPr>
           </a:p>
           <a:p>
             <a:pPr marL="0" indent="0">
               <a:buNone/>
             </a:pPr>
-            <a:endParaRPr lang="en-CA"/>
+            <a:endParaRPr lang="en-CA" sz="2000" b="1" dirty="0">
+              <a:solidFill>
+                <a:schemeClr val="accent5"/>
+              </a:solidFill>
+              <a:latin typeface="+mj-lt"/>
+              <a:cs typeface="Arial"/>
+            </a:endParaRPr>
+          </a:p>
+          <a:p>
+            <a:pPr marL="0" indent="0">
+              <a:buNone/>
+            </a:pPr>
+            <a:endParaRPr lang="en-CA" sz="2000" dirty="0">
+              <a:solidFill>
+                <a:srgbClr val="2B44D4"/>
+              </a:solidFill>
+              <a:cs typeface="Arial"/>
+            </a:endParaRPr>
+          </a:p>
+          <a:p>
+            <a:pPr marL="0" indent="0">
+              <a:buNone/>
+            </a:pPr>
+            <a:endParaRPr lang="en-CA">
+              <a:cs typeface="Arial"/>
+            </a:endParaRPr>
           </a:p>
         </p:txBody>
       </p:sp>
@@ -3997,7 +4094,7 @@
           <p:nvPr/>
         </p:nvPicPr>
         <p:blipFill>
-          <a:blip r:embed="rId3"/>
+          <a:blip r:embed="rId4"/>
           <a:stretch>
             <a:fillRect/>
           </a:stretch>
@@ -4203,25 +4300,20 @@
               <a:t>Model name: </a:t>
             </a:r>
             <a:r>
-              <a:rPr lang="en-CA" sz="2000" dirty="0" err="1">
-                <a:solidFill>
-                  <a:schemeClr val="accent5"/>
-                </a:solidFill>
-                <a:latin typeface="+mj-lt"/>
-                <a:cs typeface="Arial"/>
-              </a:rPr>
-              <a:t>knkarthick</a:t>
-            </a:r>
-            <a:r>
-              <a:rPr lang="en-CA" sz="2000" dirty="0">
-                <a:solidFill>
-                  <a:schemeClr val="accent5"/>
-                </a:solidFill>
-                <a:latin typeface="+mj-lt"/>
-                <a:cs typeface="Arial"/>
-              </a:rPr>
-              <a:t>/MEETING_SUMMARY</a:t>
-            </a:r>
+              <a:rPr lang="en-CA" sz="2000" b="0" dirty="0">
+                <a:ea typeface="+mn-lt"/>
+                <a:cs typeface="+mn-lt"/>
+                <a:hlinkClick r:id="rId3"/>
+              </a:rPr>
+              <a:t>knkarthick/MEETING_SUMMARY · Hugging Face</a:t>
+            </a:r>
+            <a:endParaRPr lang="en-CA" sz="2000" dirty="0">
+              <a:solidFill>
+                <a:schemeClr val="accent5"/>
+              </a:solidFill>
+              <a:latin typeface="+mj-lt"/>
+              <a:cs typeface="Arial"/>
+            </a:endParaRPr>
           </a:p>
           <a:p>
             <a:pPr marL="0" indent="0">
@@ -4235,7 +4327,7 @@
                 <a:latin typeface="+mj-lt"/>
                 <a:cs typeface="Times New Roman"/>
               </a:rPr>
-              <a:t>Sample data and execution time: </a:t>
+              <a:t>Sample data: </a:t>
             </a:r>
             <a:endParaRPr lang="en-CA" sz="1800" dirty="0">
               <a:solidFill>
@@ -4246,95 +4338,7 @@
             </a:endParaRPr>
           </a:p>
           <a:p>
-            <a:r>
-              <a:rPr lang="en-US" sz="1800" b="0" dirty="0">
-                <a:solidFill>
-                  <a:srgbClr val="2A283C"/>
-                </a:solidFill>
-                <a:latin typeface="+mj-lt"/>
-                <a:cs typeface="Times New Roman"/>
-              </a:rPr>
-              <a:t>Summarization for </a:t>
-            </a:r>
-            <a:r>
-              <a:rPr lang="en-US" sz="1800" b="0" u="sng" dirty="0">
-                <a:solidFill>
-                  <a:srgbClr val="2A283C"/>
-                </a:solidFill>
-                <a:latin typeface="+mj-lt"/>
-                <a:cs typeface="Times New Roman"/>
-              </a:rPr>
-              <a:t>2021-08-23 Doris Paquin (Spectrum) meeting notes.docx</a:t>
-            </a:r>
-            <a:r>
-              <a:rPr lang="en-US" sz="1800" b="0" dirty="0">
-                <a:solidFill>
-                  <a:srgbClr val="2A283C"/>
-                </a:solidFill>
-                <a:latin typeface="+mj-lt"/>
-                <a:cs typeface="Times New Roman"/>
-              </a:rPr>
-              <a:t> completed in </a:t>
-            </a:r>
-            <a:r>
-              <a:rPr lang="en-US" sz="1800" b="0" dirty="0">
-                <a:solidFill>
-                  <a:srgbClr val="2A283C"/>
-                </a:solidFill>
-                <a:highlight>
-                  <a:srgbClr val="FFFF00"/>
-                </a:highlight>
-                <a:latin typeface="+mj-lt"/>
-                <a:cs typeface="Times New Roman"/>
-              </a:rPr>
-              <a:t>5.20 seconds</a:t>
-            </a:r>
-          </a:p>
-          <a:p>
-            <a:r>
-              <a:rPr lang="en-US" sz="1800" b="0" dirty="0">
-                <a:solidFill>
-                  <a:srgbClr val="2A283C"/>
-                </a:solidFill>
-                <a:latin typeface="+mj-lt"/>
-                <a:cs typeface="Times New Roman"/>
-              </a:rPr>
-              <a:t>Summarization for </a:t>
-            </a:r>
-            <a:r>
-              <a:rPr lang="en-US" sz="1800" b="0" u="sng" dirty="0">
-                <a:solidFill>
-                  <a:srgbClr val="2A283C"/>
-                </a:solidFill>
-                <a:latin typeface="+mj-lt"/>
-                <a:cs typeface="Times New Roman"/>
-              </a:rPr>
-              <a:t>ICT-ACR meeting notes 2020-11-12.docx</a:t>
-            </a:r>
-            <a:r>
-              <a:rPr lang="en-US" sz="1800" b="0" dirty="0">
-                <a:solidFill>
-                  <a:srgbClr val="2A283C"/>
-                </a:solidFill>
-                <a:latin typeface="+mj-lt"/>
-                <a:cs typeface="Times New Roman"/>
-              </a:rPr>
-              <a:t> completed in </a:t>
-            </a:r>
-            <a:r>
-              <a:rPr lang="en-US" sz="1800" b="0" dirty="0">
-                <a:solidFill>
-                  <a:srgbClr val="2A283C"/>
-                </a:solidFill>
-                <a:highlight>
-                  <a:srgbClr val="FFFF00"/>
-                </a:highlight>
-                <a:latin typeface="+mj-lt"/>
-                <a:cs typeface="Times New Roman"/>
-              </a:rPr>
-              <a:t>5.82 seconds</a:t>
-            </a:r>
-            <a:endParaRPr lang="en-CA" sz="1800" b="0" dirty="0">
+            <a:endParaRPr lang="en-US" sz="1800" b="0" dirty="0">
               <a:solidFill>
                 <a:srgbClr val="2A283C"/>
               </a:solidFill>
@@ -4345,198 +4349,592 @@
               <a:cs typeface="Times New Roman"/>
             </a:endParaRPr>
           </a:p>
-          <a:p>
-            <a:r>
-              <a:rPr lang="en-US" sz="1800" b="0" dirty="0">
-                <a:solidFill>
-                  <a:srgbClr val="2A283C"/>
-                </a:solidFill>
-                <a:latin typeface="+mj-lt"/>
-                <a:cs typeface="Times New Roman"/>
-              </a:rPr>
-              <a:t>Summarization for </a:t>
-            </a:r>
-            <a:r>
-              <a:rPr lang="en-US" sz="1800" b="0" u="sng" dirty="0">
-                <a:solidFill>
-                  <a:srgbClr val="2A283C"/>
-                </a:solidFill>
-                <a:latin typeface="+mj-lt"/>
-                <a:cs typeface="Times New Roman"/>
-              </a:rPr>
-              <a:t>2020-11-16 GSA USAB meeting notes.docx</a:t>
-            </a:r>
-            <a:r>
-              <a:rPr lang="en-US" sz="1800" b="0" dirty="0">
-                <a:solidFill>
-                  <a:srgbClr val="2A283C"/>
-                </a:solidFill>
-                <a:latin typeface="+mj-lt"/>
-                <a:cs typeface="Times New Roman"/>
-              </a:rPr>
-              <a:t> completed in </a:t>
-            </a:r>
-            <a:r>
-              <a:rPr lang="en-US" sz="1800" b="0" dirty="0">
-                <a:solidFill>
-                  <a:srgbClr val="2A283C"/>
-                </a:solidFill>
-                <a:highlight>
-                  <a:srgbClr val="FFFF00"/>
-                </a:highlight>
-                <a:latin typeface="+mj-lt"/>
-                <a:cs typeface="Times New Roman"/>
-              </a:rPr>
-              <a:t>10.81 seconds</a:t>
-            </a:r>
-          </a:p>
-          <a:p>
-            <a:r>
-              <a:rPr lang="en-US" sz="1800" b="0" dirty="0">
-                <a:solidFill>
-                  <a:srgbClr val="2A283C"/>
-                </a:solidFill>
-                <a:latin typeface="+mj-lt"/>
-                <a:cs typeface="Times New Roman"/>
-              </a:rPr>
-              <a:t>Summarization for </a:t>
-            </a:r>
-            <a:r>
-              <a:rPr lang="en-US" sz="1800" b="0" u="sng" dirty="0" err="1">
-                <a:solidFill>
-                  <a:srgbClr val="2A283C"/>
-                </a:solidFill>
-                <a:latin typeface="+mj-lt"/>
-                <a:cs typeface="Times New Roman"/>
-              </a:rPr>
-              <a:t>ebidm-dsai</a:t>
-            </a:r>
-            <a:r>
-              <a:rPr lang="en-US" sz="1800" b="0" u="sng" dirty="0">
-                <a:solidFill>
-                  <a:srgbClr val="2A283C"/>
-                </a:solidFill>
-                <a:latin typeface="+mj-lt"/>
-                <a:cs typeface="Times New Roman"/>
-              </a:rPr>
-              <a:t> meeting notes 2022-01-21.docx</a:t>
-            </a:r>
-            <a:r>
-              <a:rPr lang="en-US" sz="1800" b="0" dirty="0">
-                <a:solidFill>
-                  <a:srgbClr val="2A283C"/>
-                </a:solidFill>
-                <a:latin typeface="+mj-lt"/>
-                <a:cs typeface="Times New Roman"/>
-              </a:rPr>
-              <a:t> completed in </a:t>
-            </a:r>
-            <a:r>
-              <a:rPr lang="en-US" sz="1800" b="0" dirty="0">
-                <a:solidFill>
-                  <a:srgbClr val="2A283C"/>
-                </a:solidFill>
-                <a:highlight>
-                  <a:srgbClr val="FFFF00"/>
-                </a:highlight>
-                <a:latin typeface="+mj-lt"/>
-                <a:cs typeface="Times New Roman"/>
-              </a:rPr>
-              <a:t>9.10 seconds</a:t>
-            </a:r>
-          </a:p>
-          <a:p>
-            <a:r>
-              <a:rPr lang="en-US" sz="1800" b="0" dirty="0">
-                <a:solidFill>
-                  <a:srgbClr val="2A283C"/>
-                </a:solidFill>
-                <a:latin typeface="+mj-lt"/>
-                <a:cs typeface="Times New Roman"/>
-              </a:rPr>
-              <a:t>Summarization for </a:t>
-            </a:r>
-            <a:r>
-              <a:rPr lang="en-US" sz="1800" b="0" u="sng" dirty="0">
-                <a:solidFill>
-                  <a:srgbClr val="2A283C"/>
-                </a:solidFill>
-                <a:latin typeface="+mj-lt"/>
-                <a:cs typeface="Times New Roman"/>
-              </a:rPr>
-              <a:t>2022-06-15 Onyx demo from Curtis ONeil.txt</a:t>
-            </a:r>
-            <a:r>
-              <a:rPr lang="en-US" sz="1800" b="0" dirty="0">
-                <a:solidFill>
-                  <a:srgbClr val="2A283C"/>
-                </a:solidFill>
-                <a:latin typeface="+mj-lt"/>
-                <a:cs typeface="Times New Roman"/>
-              </a:rPr>
-              <a:t> completed in </a:t>
-            </a:r>
-            <a:r>
-              <a:rPr lang="en-US" sz="1800" b="0" dirty="0">
-                <a:solidFill>
-                  <a:srgbClr val="2A283C"/>
-                </a:solidFill>
-                <a:highlight>
-                  <a:srgbClr val="FFFF00"/>
-                </a:highlight>
-                <a:latin typeface="+mj-lt"/>
-                <a:cs typeface="Times New Roman"/>
-              </a:rPr>
-              <a:t>2.96 seconds</a:t>
-            </a:r>
-          </a:p>
-          <a:p>
-            <a:r>
-              <a:rPr lang="en-US" sz="1800" b="0" dirty="0">
-                <a:solidFill>
-                  <a:srgbClr val="2A283C"/>
-                </a:solidFill>
-                <a:latin typeface="+mj-lt"/>
-                <a:cs typeface="Times New Roman"/>
-              </a:rPr>
-              <a:t>Summarization for </a:t>
-            </a:r>
-            <a:r>
-              <a:rPr lang="en-US" sz="1800" b="0" u="sng" dirty="0">
-                <a:solidFill>
-                  <a:srgbClr val="2A283C"/>
-                </a:solidFill>
-                <a:latin typeface="+mj-lt"/>
-                <a:cs typeface="Times New Roman"/>
-              </a:rPr>
-              <a:t>2021-10-15 ESD assumptions meeting notes.txt</a:t>
-            </a:r>
-            <a:r>
-              <a:rPr lang="en-US" sz="1800" b="0" dirty="0">
-                <a:solidFill>
-                  <a:srgbClr val="2A283C"/>
-                </a:solidFill>
-                <a:latin typeface="+mj-lt"/>
-                <a:cs typeface="Times New Roman"/>
-              </a:rPr>
-              <a:t> completed in </a:t>
-            </a:r>
-            <a:r>
-              <a:rPr lang="en-US" sz="1800" b="0" dirty="0">
-                <a:solidFill>
-                  <a:srgbClr val="2A283C"/>
-                </a:solidFill>
-                <a:highlight>
-                  <a:srgbClr val="FFFF00"/>
-                </a:highlight>
-                <a:latin typeface="+mj-lt"/>
-                <a:cs typeface="Times New Roman"/>
-              </a:rPr>
-              <a:t>2.03 seconds</a:t>
-            </a:r>
-          </a:p>
         </p:txBody>
       </p:sp>
+      <p:graphicFrame>
+        <p:nvGraphicFramePr>
+          <p:cNvPr id="3" name="Table 2">
+            <a:extLst>
+              <a:ext uri="{FF2B5EF4-FFF2-40B4-BE49-F238E27FC236}">
+                <a16:creationId xmlns:a16="http://schemas.microsoft.com/office/drawing/2014/main" id="{E3179DA1-E795-986B-314D-A21B9EC31A4B}"/>
+              </a:ext>
+            </a:extLst>
+          </p:cNvPr>
+          <p:cNvGraphicFramePr>
+            <a:graphicFrameLocks noGrp="1"/>
+          </p:cNvGraphicFramePr>
+          <p:nvPr>
+            <p:extLst>
+              <p:ext uri="{D42A27DB-BD31-4B8C-83A1-F6EECF244321}">
+                <p14:modId xmlns:p14="http://schemas.microsoft.com/office/powerpoint/2010/main" val="2022777964"/>
+              </p:ext>
+            </p:extLst>
+          </p:nvPr>
+        </p:nvGraphicFramePr>
+        <p:xfrm>
+          <a:off x="1057190" y="2334054"/>
+          <a:ext cx="10249253" cy="2931719"/>
+        </p:xfrm>
+        <a:graphic>
+          <a:graphicData uri="http://schemas.openxmlformats.org/drawingml/2006/table">
+            <a:tbl>
+              <a:tblPr firstRow="1" bandRow="1">
+                <a:tableStyleId>{5940675A-B579-460E-94D1-54222C63F5DA}</a:tableStyleId>
+              </a:tblPr>
+              <a:tblGrid>
+                <a:gridCol w="5999513">
+                  <a:extLst>
+                    <a:ext uri="{9D8B030D-6E8A-4147-A177-3AD203B41FA5}">
+                      <a16:colId xmlns:a16="http://schemas.microsoft.com/office/drawing/2014/main" val="156838468"/>
+                    </a:ext>
+                  </a:extLst>
+                </a:gridCol>
+                <a:gridCol w="2498766">
+                  <a:extLst>
+                    <a:ext uri="{9D8B030D-6E8A-4147-A177-3AD203B41FA5}">
+                      <a16:colId xmlns:a16="http://schemas.microsoft.com/office/drawing/2014/main" val="3278982087"/>
+                    </a:ext>
+                  </a:extLst>
+                </a:gridCol>
+                <a:gridCol w="1750974">
+                  <a:extLst>
+                    <a:ext uri="{9D8B030D-6E8A-4147-A177-3AD203B41FA5}">
+                      <a16:colId xmlns:a16="http://schemas.microsoft.com/office/drawing/2014/main" val="3934974675"/>
+                    </a:ext>
+                  </a:extLst>
+                </a:gridCol>
+              </a:tblGrid>
+              <a:tr h="418817">
+                <a:tc>
+                  <a:txBody>
+                    <a:bodyPr/>
+                    <a:lstStyle/>
+                    <a:p>
+                      <a:r>
+                        <a:rPr lang="en-US" dirty="0"/>
+                        <a:t>File name</a:t>
+                      </a:r>
+                    </a:p>
+                  </a:txBody>
+                  <a:tcPr/>
+                </a:tc>
+                <a:tc>
+                  <a:txBody>
+                    <a:bodyPr/>
+                    <a:lstStyle/>
+                    <a:p>
+                      <a:r>
+                        <a:rPr lang="en-US" dirty="0"/>
+                        <a:t>File size</a:t>
+                      </a:r>
+                    </a:p>
+                  </a:txBody>
+                  <a:tcPr/>
+                </a:tc>
+                <a:tc>
+                  <a:txBody>
+                    <a:bodyPr/>
+                    <a:lstStyle/>
+                    <a:p>
+                      <a:r>
+                        <a:rPr lang="en-US" dirty="0"/>
+                        <a:t>Execution time</a:t>
+                      </a:r>
+                    </a:p>
+                  </a:txBody>
+                  <a:tcPr/>
+                </a:tc>
+                <a:extLst>
+                  <a:ext uri="{0D108BD9-81ED-4DB2-BD59-A6C34878D82A}">
+                    <a16:rowId xmlns:a16="http://schemas.microsoft.com/office/drawing/2014/main" val="2238375445"/>
+                  </a:ext>
+                </a:extLst>
+              </a:tr>
+              <a:tr h="418817">
+                <a:tc>
+                  <a:txBody>
+                    <a:bodyPr/>
+                    <a:lstStyle/>
+                    <a:p>
+                      <a:pPr lvl="0">
+                        <a:buNone/>
+                      </a:pPr>
+                      <a:r>
+                        <a:rPr lang="en-CA" sz="1800" b="0" i="0" u="none" strike="noStrike" baseline="0" noProof="0" dirty="0">
+                          <a:solidFill>
+                            <a:srgbClr val="2A283C"/>
+                          </a:solidFill>
+                          <a:latin typeface="Arial"/>
+                        </a:rPr>
+                        <a:t>2021-08-23 Doris Paquin (Spectrum) meeting notes.docx</a:t>
+                      </a:r>
+                      <a:endParaRPr lang="en-US" baseline="0" dirty="0">
+                        <a:solidFill>
+                          <a:srgbClr val="2A283C"/>
+                        </a:solidFill>
+                      </a:endParaRPr>
+                    </a:p>
+                  </a:txBody>
+                  <a:tcPr/>
+                </a:tc>
+                <a:tc>
+                  <a:txBody>
+                    <a:bodyPr/>
+                    <a:lstStyle/>
+                    <a:p>
+                      <a:pPr lvl="0">
+                        <a:buNone/>
+                      </a:pPr>
+                      <a:r>
+                        <a:rPr lang="en-CA" sz="1800" b="0" i="0" u="none" strike="noStrike" noProof="0" dirty="0"/>
+                        <a:t>30kb | 769 words</a:t>
+                      </a:r>
+                      <a:endParaRPr lang="en-US" dirty="0"/>
+                    </a:p>
+                  </a:txBody>
+                  <a:tcPr/>
+                </a:tc>
+                <a:tc>
+                  <a:txBody>
+                    <a:bodyPr/>
+                    <a:lstStyle/>
+                    <a:p>
+                      <a:pPr marL="0" lvl="0" indent="0" algn="l">
+                        <a:lnSpc>
+                          <a:spcPct val="100000"/>
+                        </a:lnSpc>
+                        <a:buNone/>
+                      </a:pPr>
+                      <a:r>
+                        <a:rPr lang="en-US" sz="1800" b="0" i="0" u="none" strike="noStrike" baseline="0" noProof="0" dirty="0">
+                          <a:solidFill>
+                            <a:srgbClr val="2A283C"/>
+                          </a:solidFill>
+                          <a:latin typeface="Arial"/>
+                        </a:rPr>
+                        <a:t>5.20 seconds</a:t>
+                      </a:r>
+                    </a:p>
+                  </a:txBody>
+                  <a:tcPr/>
+                </a:tc>
+                <a:extLst>
+                  <a:ext uri="{0D108BD9-81ED-4DB2-BD59-A6C34878D82A}">
+                    <a16:rowId xmlns:a16="http://schemas.microsoft.com/office/drawing/2014/main" val="2112516585"/>
+                  </a:ext>
+                </a:extLst>
+              </a:tr>
+              <a:tr h="418817">
+                <a:tc>
+                  <a:txBody>
+                    <a:bodyPr/>
+                    <a:lstStyle/>
+                    <a:p>
+                      <a:pPr lvl="0">
+                        <a:buNone/>
+                      </a:pPr>
+                      <a:r>
+                        <a:rPr lang="en-CA" sz="1800" b="0" i="0" u="none" strike="noStrike" baseline="0" noProof="0" dirty="0">
+                          <a:solidFill>
+                            <a:srgbClr val="2A283C"/>
+                          </a:solidFill>
+                          <a:latin typeface="Arial"/>
+                        </a:rPr>
+                        <a:t>ICT-ACR meeting notes 2020-11-12.docx</a:t>
+                      </a:r>
+                      <a:endParaRPr lang="en-US" dirty="0"/>
+                    </a:p>
+                  </a:txBody>
+                  <a:tcPr/>
+                </a:tc>
+                <a:tc>
+                  <a:txBody>
+                    <a:bodyPr/>
+                    <a:lstStyle/>
+                    <a:p>
+                      <a:pPr lvl="0">
+                        <a:buNone/>
+                      </a:pPr>
+                      <a:r>
+                        <a:rPr lang="en-CA" sz="1800" b="0" i="0" u="none" strike="noStrike" noProof="0" dirty="0"/>
+                        <a:t>17kb | </a:t>
+                      </a:r>
+                      <a:r>
+                        <a:rPr lang="en-CA" sz="1800" b="0" i="0" u="none" strike="noStrike" noProof="0" dirty="0">
+                          <a:latin typeface="Arial"/>
+                        </a:rPr>
+                        <a:t>796 </a:t>
+                      </a:r>
+                      <a:r>
+                        <a:rPr lang="en-CA" sz="1800" b="0" i="0" u="none" strike="noStrike" noProof="0" dirty="0"/>
+                        <a:t>words</a:t>
+                      </a:r>
+                      <a:endParaRPr lang="en-US" dirty="0"/>
+                    </a:p>
+                  </a:txBody>
+                  <a:tcPr/>
+                </a:tc>
+                <a:tc>
+                  <a:txBody>
+                    <a:bodyPr/>
+                    <a:lstStyle/>
+                    <a:p>
+                      <a:pPr marL="0" lvl="0" indent="0" algn="l">
+                        <a:lnSpc>
+                          <a:spcPct val="100000"/>
+                        </a:lnSpc>
+                        <a:buNone/>
+                      </a:pPr>
+                      <a:r>
+                        <a:rPr lang="en-US" sz="1800" b="0" i="0" u="none" strike="noStrike" baseline="0" noProof="0" dirty="0">
+                          <a:solidFill>
+                            <a:srgbClr val="2A283C"/>
+                          </a:solidFill>
+                          <a:latin typeface="Arial"/>
+                        </a:rPr>
+                        <a:t>5.82 seconds</a:t>
+                      </a:r>
+                    </a:p>
+                  </a:txBody>
+                  <a:tcPr/>
+                </a:tc>
+                <a:extLst>
+                  <a:ext uri="{0D108BD9-81ED-4DB2-BD59-A6C34878D82A}">
+                    <a16:rowId xmlns:a16="http://schemas.microsoft.com/office/drawing/2014/main" val="2941384899"/>
+                  </a:ext>
+                </a:extLst>
+              </a:tr>
+              <a:tr h="418817">
+                <a:tc>
+                  <a:txBody>
+                    <a:bodyPr/>
+                    <a:lstStyle/>
+                    <a:p>
+                      <a:pPr lvl="0">
+                        <a:buNone/>
+                      </a:pPr>
+                      <a:r>
+                        <a:rPr lang="en-CA" sz="1800" b="0" i="0" u="none" strike="noStrike" baseline="0" noProof="0" dirty="0">
+                          <a:solidFill>
+                            <a:srgbClr val="2A283C"/>
+                          </a:solidFill>
+                          <a:latin typeface="Arial"/>
+                        </a:rPr>
+                        <a:t>2020-11-16 GSA USAB meeting notes.docx</a:t>
+                      </a:r>
+                      <a:endParaRPr lang="en-US" dirty="0"/>
+                    </a:p>
+                  </a:txBody>
+                  <a:tcPr/>
+                </a:tc>
+                <a:tc>
+                  <a:txBody>
+                    <a:bodyPr/>
+                    <a:lstStyle/>
+                    <a:p>
+                      <a:pPr lvl="0">
+                        <a:buNone/>
+                      </a:pPr>
+                      <a:r>
+                        <a:rPr lang="en-CA" sz="1800" b="0" i="0" u="none" strike="noStrike" noProof="0" dirty="0"/>
+                        <a:t>19kb | </a:t>
+                      </a:r>
+                      <a:r>
+                        <a:rPr lang="en-CA" sz="1800" b="0" i="0" u="none" strike="noStrike" noProof="0" dirty="0">
+                          <a:latin typeface="Arial"/>
+                        </a:rPr>
+                        <a:t>1364 </a:t>
+                      </a:r>
+                      <a:r>
+                        <a:rPr lang="en-CA" sz="1800" b="0" i="0" u="none" strike="noStrike" noProof="0" dirty="0"/>
+                        <a:t>words</a:t>
+                      </a:r>
+                      <a:endParaRPr lang="en-US" dirty="0"/>
+                    </a:p>
+                  </a:txBody>
+                  <a:tcPr/>
+                </a:tc>
+                <a:tc>
+                  <a:txBody>
+                    <a:bodyPr/>
+                    <a:lstStyle/>
+                    <a:p>
+                      <a:pPr lvl="0">
+                        <a:buNone/>
+                      </a:pPr>
+                      <a:r>
+                        <a:rPr lang="en-US" sz="1800" b="0" i="0" u="none" strike="noStrike" baseline="0" noProof="0" dirty="0">
+                          <a:solidFill>
+                            <a:srgbClr val="2A283C"/>
+                          </a:solidFill>
+                          <a:latin typeface="Arial"/>
+                        </a:rPr>
+                        <a:t>10.81 seconds</a:t>
+                      </a:r>
+                      <a:endParaRPr lang="en-US" dirty="0"/>
+                    </a:p>
+                  </a:txBody>
+                  <a:tcPr/>
+                </a:tc>
+                <a:extLst>
+                  <a:ext uri="{0D108BD9-81ED-4DB2-BD59-A6C34878D82A}">
+                    <a16:rowId xmlns:a16="http://schemas.microsoft.com/office/drawing/2014/main" val="3343101917"/>
+                  </a:ext>
+                </a:extLst>
+              </a:tr>
+              <a:tr h="418817">
+                <a:tc>
+                  <a:txBody>
+                    <a:bodyPr/>
+                    <a:lstStyle/>
+                    <a:p>
+                      <a:pPr lvl="0">
+                        <a:buNone/>
+                      </a:pPr>
+                      <a:r>
+                        <a:rPr lang="en-CA" sz="1800" b="0" i="0" u="none" strike="noStrike" baseline="0" noProof="0" dirty="0" err="1">
+                          <a:solidFill>
+                            <a:srgbClr val="2A283C"/>
+                          </a:solidFill>
+                          <a:latin typeface="Arial"/>
+                        </a:rPr>
+                        <a:t>ebidm-dsai</a:t>
+                      </a:r>
+                      <a:r>
+                        <a:rPr lang="en-CA" sz="1800" b="0" i="0" u="none" strike="noStrike" baseline="0" noProof="0" dirty="0">
+                          <a:solidFill>
+                            <a:srgbClr val="2A283C"/>
+                          </a:solidFill>
+                          <a:latin typeface="Arial"/>
+                        </a:rPr>
+                        <a:t> meeting notes 2022-01-21.docx</a:t>
+                      </a:r>
+                      <a:endParaRPr lang="en-US" dirty="0"/>
+                    </a:p>
+                  </a:txBody>
+                  <a:tcPr/>
+                </a:tc>
+                <a:tc>
+                  <a:txBody>
+                    <a:bodyPr/>
+                    <a:lstStyle/>
+                    <a:p>
+                      <a:pPr lvl="0">
+                        <a:buNone/>
+                      </a:pPr>
+                      <a:r>
+                        <a:rPr lang="en-CA" sz="1800" b="0" i="0" u="none" strike="noStrike" noProof="0" dirty="0"/>
+                        <a:t>37kb | </a:t>
+                      </a:r>
+                      <a:r>
+                        <a:rPr lang="en-CA" sz="1800" b="0" i="0" u="none" strike="noStrike" noProof="0" dirty="0">
+                          <a:latin typeface="Arial"/>
+                        </a:rPr>
+                        <a:t>1140 </a:t>
+                      </a:r>
+                      <a:r>
+                        <a:rPr lang="en-CA" sz="1800" b="0" i="0" u="none" strike="noStrike" noProof="0" dirty="0"/>
+                        <a:t>words</a:t>
+                      </a:r>
+                      <a:endParaRPr lang="en-US" dirty="0"/>
+                    </a:p>
+                  </a:txBody>
+                  <a:tcPr/>
+                </a:tc>
+                <a:tc>
+                  <a:txBody>
+                    <a:bodyPr/>
+                    <a:lstStyle/>
+                    <a:p>
+                      <a:pPr lvl="0">
+                        <a:buNone/>
+                      </a:pPr>
+                      <a:r>
+                        <a:rPr lang="en-US" sz="1800" b="0" i="0" u="none" strike="noStrike" baseline="0" noProof="0" dirty="0">
+                          <a:solidFill>
+                            <a:srgbClr val="2A283C"/>
+                          </a:solidFill>
+                          <a:latin typeface="Arial"/>
+                        </a:rPr>
+                        <a:t>9.10 seconds</a:t>
+                      </a:r>
+                      <a:endParaRPr lang="en-US" dirty="0"/>
+                    </a:p>
+                  </a:txBody>
+                  <a:tcPr/>
+                </a:tc>
+                <a:extLst>
+                  <a:ext uri="{0D108BD9-81ED-4DB2-BD59-A6C34878D82A}">
+                    <a16:rowId xmlns:a16="http://schemas.microsoft.com/office/drawing/2014/main" val="4129025235"/>
+                  </a:ext>
+                </a:extLst>
+              </a:tr>
+              <a:tr h="418817">
+                <a:tc>
+                  <a:txBody>
+                    <a:bodyPr/>
+                    <a:lstStyle/>
+                    <a:p>
+                      <a:pPr lvl="0">
+                        <a:buNone/>
+                      </a:pPr>
+                      <a:r>
+                        <a:rPr lang="en-CA" sz="1800" b="0" i="0" u="none" strike="noStrike" baseline="0" noProof="0" dirty="0">
+                          <a:solidFill>
+                            <a:srgbClr val="2A283C"/>
+                          </a:solidFill>
+                          <a:latin typeface="Arial"/>
+                        </a:rPr>
+                        <a:t>2022-06-15 Onyx demo from Curtis ONeil.txt</a:t>
+                      </a:r>
+                      <a:endParaRPr lang="en-US" dirty="0"/>
+                    </a:p>
+                  </a:txBody>
+                  <a:tcPr/>
+                </a:tc>
+                <a:tc>
+                  <a:txBody>
+                    <a:bodyPr/>
+                    <a:lstStyle/>
+                    <a:p>
+                      <a:pPr lvl="0">
+                        <a:buNone/>
+                      </a:pPr>
+                      <a:r>
+                        <a:rPr lang="en-CA" sz="1800" b="0" i="0" u="none" strike="noStrike" noProof="0" dirty="0"/>
+                        <a:t>3kb | </a:t>
+                      </a:r>
+                      <a:r>
+                        <a:rPr lang="en-CA" sz="1800" b="0" i="0" u="none" strike="noStrike" noProof="0" dirty="0">
+                          <a:latin typeface="Arial"/>
+                        </a:rPr>
+                        <a:t>349 </a:t>
+                      </a:r>
+                      <a:r>
+                        <a:rPr lang="en-CA" sz="1800" b="0" i="0" u="none" strike="noStrike" noProof="0" dirty="0"/>
+                        <a:t>words</a:t>
+                      </a:r>
+                      <a:endParaRPr lang="en-US" dirty="0"/>
+                    </a:p>
+                  </a:txBody>
+                  <a:tcPr/>
+                </a:tc>
+                <a:tc>
+                  <a:txBody>
+                    <a:bodyPr/>
+                    <a:lstStyle/>
+                    <a:p>
+                      <a:pPr lvl="0">
+                        <a:buNone/>
+                      </a:pPr>
+                      <a:r>
+                        <a:rPr lang="en-US" sz="1800" b="0" i="0" u="none" strike="noStrike" baseline="0" noProof="0" dirty="0">
+                          <a:solidFill>
+                            <a:srgbClr val="2A283C"/>
+                          </a:solidFill>
+                          <a:latin typeface="Arial"/>
+                        </a:rPr>
+                        <a:t>2.96 seconds</a:t>
+                      </a:r>
+                      <a:endParaRPr lang="en-US" dirty="0"/>
+                    </a:p>
+                  </a:txBody>
+                  <a:tcPr/>
+                </a:tc>
+                <a:extLst>
+                  <a:ext uri="{0D108BD9-81ED-4DB2-BD59-A6C34878D82A}">
+                    <a16:rowId xmlns:a16="http://schemas.microsoft.com/office/drawing/2014/main" val="2561200509"/>
+                  </a:ext>
+                </a:extLst>
+              </a:tr>
+              <a:tr h="418817">
+                <a:tc>
+                  <a:txBody>
+                    <a:bodyPr/>
+                    <a:lstStyle/>
+                    <a:p>
+                      <a:pPr lvl="0">
+                        <a:buNone/>
+                      </a:pPr>
+                      <a:r>
+                        <a:rPr lang="en-CA" sz="1800" b="0" i="0" u="none" strike="noStrike" baseline="0" noProof="0" dirty="0">
+                          <a:solidFill>
+                            <a:srgbClr val="2A283C"/>
+                          </a:solidFill>
+                          <a:latin typeface="Arial"/>
+                        </a:rPr>
+                        <a:t>2021-10-15 ESD assumptions meeting notes.txt</a:t>
+                      </a:r>
+                      <a:endParaRPr lang="en-US" dirty="0"/>
+                    </a:p>
+                  </a:txBody>
+                  <a:tcPr/>
+                </a:tc>
+                <a:tc>
+                  <a:txBody>
+                    <a:bodyPr/>
+                    <a:lstStyle/>
+                    <a:p>
+                      <a:pPr lvl="0">
+                        <a:buNone/>
+                      </a:pPr>
+                      <a:r>
+                        <a:rPr lang="en-CA" sz="1800" b="0" i="0" u="none" strike="noStrike" noProof="0" dirty="0">
+                          <a:latin typeface="Arial"/>
+                        </a:rPr>
+                        <a:t>3kb </a:t>
+                      </a:r>
+                      <a:r>
+                        <a:rPr lang="en-CA" sz="1800" b="0" i="0" u="none" strike="noStrike" noProof="0" dirty="0"/>
+                        <a:t>| </a:t>
+                      </a:r>
+                      <a:r>
+                        <a:rPr lang="en-CA" sz="1800" b="0" i="0" u="none" strike="noStrike" noProof="0" dirty="0">
+                          <a:latin typeface="Arial"/>
+                        </a:rPr>
+                        <a:t>411 </a:t>
+                      </a:r>
+                      <a:r>
+                        <a:rPr lang="en-CA" sz="1800" b="0" i="0" u="none" strike="noStrike" noProof="0" dirty="0"/>
+                        <a:t>words</a:t>
+                      </a:r>
+                      <a:endParaRPr lang="en-US"/>
+                    </a:p>
+                  </a:txBody>
+                  <a:tcPr/>
+                </a:tc>
+                <a:tc>
+                  <a:txBody>
+                    <a:bodyPr/>
+                    <a:lstStyle/>
+                    <a:p>
+                      <a:pPr lvl="0">
+                        <a:buNone/>
+                      </a:pPr>
+                      <a:r>
+                        <a:rPr lang="en-US" sz="1800" b="0" i="0" u="none" strike="noStrike" baseline="0" noProof="0" dirty="0">
+                          <a:solidFill>
+                            <a:srgbClr val="2A283C"/>
+                          </a:solidFill>
+                          <a:latin typeface="Arial"/>
+                        </a:rPr>
+                        <a:t>2.03 seconds</a:t>
+                      </a:r>
+                      <a:endParaRPr lang="en-US" dirty="0"/>
+                    </a:p>
+                  </a:txBody>
+                  <a:tcPr/>
+                </a:tc>
+                <a:extLst>
+                  <a:ext uri="{0D108BD9-81ED-4DB2-BD59-A6C34878D82A}">
+                    <a16:rowId xmlns:a16="http://schemas.microsoft.com/office/drawing/2014/main" val="4120358315"/>
+                  </a:ext>
+                </a:extLst>
+              </a:tr>
+            </a:tbl>
+          </a:graphicData>
+        </a:graphic>
+      </p:graphicFrame>
     </p:spTree>
     <p:extLst>
       <p:ext uri="{BB962C8B-B14F-4D97-AF65-F5344CB8AC3E}">
@@ -4747,8 +5145,8 @@
         </p:blipFill>
         <p:spPr>
           <a:xfrm>
-            <a:off x="4294239" y="1216197"/>
-            <a:ext cx="4304070" cy="4960238"/>
+            <a:off x="4124907" y="1216197"/>
+            <a:ext cx="4466890" cy="5136083"/>
           </a:xfrm>
           <a:prstGeom prst="rect">
             <a:avLst/>
@@ -4943,25 +5341,20 @@
               <a:t>Summarization output: </a:t>
             </a:r>
             <a:r>
-              <a:rPr lang="en-CA" sz="2000" dirty="0" err="1">
-                <a:solidFill>
-                  <a:schemeClr val="accent5"/>
-                </a:solidFill>
+              <a:rPr lang="en-CA" sz="2000" b="0" dirty="0">
                 <a:latin typeface="+mj-lt"/>
                 <a:cs typeface="Arial"/>
-              </a:rPr>
-              <a:t>knkarthick</a:t>
-            </a:r>
-            <a:r>
-              <a:rPr lang="en-CA" sz="2000" dirty="0">
-                <a:solidFill>
-                  <a:schemeClr val="accent5"/>
-                </a:solidFill>
-                <a:latin typeface="+mj-lt"/>
-                <a:cs typeface="Arial"/>
-              </a:rPr>
-              <a:t>/MEETING_SUMMARY</a:t>
-            </a:r>
+                <a:hlinkClick r:id="rId2"/>
+              </a:rPr>
+              <a:t>knkarthick/MEETING_SUMMARY · Hugging Face</a:t>
+            </a:r>
+            <a:endParaRPr lang="en-CA" sz="2000" dirty="0">
+              <a:solidFill>
+                <a:schemeClr val="accent5"/>
+              </a:solidFill>
+              <a:latin typeface="+mj-lt"/>
+              <a:cs typeface="Arial"/>
+            </a:endParaRPr>
           </a:p>
           <a:p>
             <a:pPr marL="0" indent="0">
@@ -4996,7 +5389,7 @@
           <p:nvPr/>
         </p:nvPicPr>
         <p:blipFill>
-          <a:blip r:embed="rId2"/>
+          <a:blip r:embed="rId3"/>
           <a:stretch>
             <a:fillRect/>
           </a:stretch>
@@ -5194,34 +5587,12 @@
               <a:t>Summarization output: </a:t>
             </a:r>
             <a:r>
-              <a:rPr lang="en-CA" sz="2000" b="1" dirty="0" err="1">
-                <a:solidFill>
-                  <a:schemeClr val="accent5"/>
-                </a:solidFill>
+              <a:rPr lang="en-CA" sz="2000" b="0" dirty="0">
                 <a:latin typeface="+mj-lt"/>
                 <a:cs typeface="Arial"/>
-              </a:rPr>
-              <a:t>knkarthick</a:t>
-            </a:r>
-            <a:r>
-              <a:rPr lang="en-CA" sz="2000" b="1" dirty="0">
-                <a:solidFill>
-                  <a:schemeClr val="accent5"/>
-                </a:solidFill>
-                <a:latin typeface="+mj-lt"/>
-                <a:cs typeface="Arial"/>
-              </a:rPr>
-              <a:t>/MEETING_SUMMARY</a:t>
-            </a:r>
-            <a:r>
-              <a:rPr lang="en-CA" sz="2000" dirty="0">
-                <a:solidFill>
-                  <a:schemeClr val="accent5"/>
-                </a:solidFill>
-                <a:latin typeface="+mj-lt"/>
-                <a:cs typeface="Arial"/>
-              </a:rPr>
-              <a:t> </a:t>
+                <a:hlinkClick r:id="rId3"/>
+              </a:rPr>
+              <a:t>knkarthick/MEETING_SUMMARY · Hugging Face</a:t>
             </a:r>
             <a:endParaRPr lang="en-CA" sz="2000">
               <a:cs typeface="Arial"/>
@@ -5244,7 +5615,7 @@
           <p:nvPr/>
         </p:nvPicPr>
         <p:blipFill>
-          <a:blip r:embed="rId3"/>
+          <a:blip r:embed="rId4"/>
           <a:stretch>
             <a:fillRect/>
           </a:stretch>
@@ -5312,8 +5683,8 @@
         </p:nvSpPr>
         <p:spPr>
           <a:xfrm>
-            <a:off x="558342" y="525380"/>
-            <a:ext cx="7626870" cy="507243"/>
+            <a:off x="558342" y="513090"/>
+            <a:ext cx="7977144" cy="519533"/>
           </a:xfrm>
         </p:spPr>
         <p:txBody>
@@ -5323,39 +5694,14 @@
           <a:lstStyle/>
           <a:p>
             <a:r>
-              <a:rPr lang="en-CA" sz="2200" dirty="0">
-                <a:latin typeface="Arial"/>
-                <a:ea typeface="Calibri" panose="020F0502020204030204" pitchFamily="34" charset="0"/>
-                <a:cs typeface="Times New Roman"/>
-              </a:rPr>
-              <a:t>PII detection </a:t>
-            </a:r>
-            <a:r>
               <a:rPr lang="en-CA" sz="2200" b="1" dirty="0">
                 <a:effectLst/>
                 <a:latin typeface="Arial"/>
                 <a:ea typeface="Calibri" panose="020F0502020204030204" pitchFamily="34" charset="0"/>
                 <a:cs typeface="Times New Roman"/>
               </a:rPr>
-              <a:t>using Presidio analyzer-</a:t>
-            </a:r>
-            <a:r>
-              <a:rPr lang="en-CA" sz="2200" b="1" dirty="0" err="1">
-                <a:effectLst/>
-                <a:latin typeface="Arial"/>
-                <a:ea typeface="Calibri" panose="020F0502020204030204" pitchFamily="34" charset="0"/>
-                <a:cs typeface="Times New Roman"/>
-              </a:rPr>
-              <a:t>AnalyzerEngine</a:t>
-            </a:r>
-            <a:br>
-              <a:rPr lang="en-CA" sz="2200" b="1" dirty="0">
-                <a:effectLst/>
-                <a:latin typeface="Arial"/>
-                <a:ea typeface="Calibri" panose="020F0502020204030204" pitchFamily="34" charset="0"/>
-                <a:cs typeface="Times New Roman" panose="02020603050405020304" pitchFamily="18" charset="0"/>
-              </a:rPr>
-            </a:br>
+              <a:t>Document summarization using pre-trained deep learning models</a:t>
+            </a:r>
             <a:br>
               <a:rPr lang="en-CA" sz="1800" dirty="0">
                 <a:effectLst/>
@@ -5400,6 +5746,9 @@
             </a:r>
             <a:endParaRPr lang="en-CA"/>
           </a:p>
+          <a:p>
+            <a:endParaRPr lang="en-CA"/>
+          </a:p>
         </p:txBody>
       </p:sp>
       <p:sp>
@@ -5450,7 +5799,7 @@
         </p:nvSpPr>
         <p:spPr>
           <a:xfrm>
-            <a:off x="548378" y="1253331"/>
+            <a:off x="558343" y="1253331"/>
             <a:ext cx="11093656" cy="4351338"/>
           </a:xfrm>
         </p:spPr>
@@ -5469,8 +5818,23 @@
                 <a:latin typeface="+mj-lt"/>
                 <a:cs typeface="Arial"/>
               </a:rPr>
-              <a:t>API: Presidio analyzer</a:t>
-            </a:r>
+              <a:t>Model name: </a:t>
+            </a:r>
+            <a:r>
+              <a:rPr lang="en-CA" sz="2000" b="0" dirty="0">
+                <a:latin typeface="+mj-lt"/>
+                <a:cs typeface="Arial"/>
+                <a:hlinkClick r:id="rId3"/>
+              </a:rPr>
+              <a:t>knkarthick/MEETING_SUMMARY · Hugging Face</a:t>
+            </a:r>
+            <a:endParaRPr lang="en-CA" sz="2000" dirty="0">
+              <a:solidFill>
+                <a:schemeClr val="accent5"/>
+              </a:solidFill>
+              <a:latin typeface="+mj-lt"/>
+              <a:cs typeface="Arial"/>
+            </a:endParaRPr>
           </a:p>
           <a:p>
             <a:pPr marL="0" indent="0">
@@ -5484,7 +5848,7 @@
                 <a:latin typeface="+mj-lt"/>
                 <a:cs typeface="Times New Roman"/>
               </a:rPr>
-              <a:t>Sample data and execution time: </a:t>
+              <a:t>Summary for a "non-meeting" document:</a:t>
             </a:r>
             <a:endParaRPr lang="en-CA" sz="1800" dirty="0">
               <a:solidFill>
@@ -5494,202 +5858,538 @@
               <a:cs typeface="Times New Roman" panose="02020603050405020304" pitchFamily="18" charset="0"/>
             </a:endParaRPr>
           </a:p>
-          <a:p>
-            <a:r>
-              <a:rPr lang="en-US" sz="1800" b="0" dirty="0">
-                <a:solidFill>
-                  <a:srgbClr val="2A283C"/>
-                </a:solidFill>
-                <a:latin typeface="+mj-lt"/>
-                <a:cs typeface="Times New Roman"/>
-              </a:rPr>
-              <a:t>PII analysis for </a:t>
-            </a:r>
-            <a:r>
-              <a:rPr lang="en-US" sz="1800" b="0" u="sng" dirty="0" err="1">
-                <a:solidFill>
-                  <a:srgbClr val="2A283C"/>
-                </a:solidFill>
-                <a:latin typeface="+mj-lt"/>
-                <a:cs typeface="Times New Roman"/>
-              </a:rPr>
-              <a:t>ebidm-dsai</a:t>
-            </a:r>
-            <a:r>
-              <a:rPr lang="en-US" sz="1800" b="0" u="sng" dirty="0">
-                <a:solidFill>
-                  <a:srgbClr val="2A283C"/>
-                </a:solidFill>
-                <a:latin typeface="+mj-lt"/>
-                <a:cs typeface="Times New Roman"/>
-              </a:rPr>
-              <a:t> meeting notes 2022-01-21.docx</a:t>
-            </a:r>
-            <a:r>
-              <a:rPr lang="en-US" sz="1800" b="0" dirty="0">
-                <a:solidFill>
-                  <a:srgbClr val="2A283C"/>
-                </a:solidFill>
-                <a:latin typeface="+mj-lt"/>
-                <a:cs typeface="Times New Roman"/>
-              </a:rPr>
-              <a:t> completed in </a:t>
-            </a:r>
-            <a:r>
-              <a:rPr lang="en-US" sz="1800" b="0" dirty="0">
-                <a:solidFill>
-                  <a:srgbClr val="2A283C"/>
-                </a:solidFill>
-                <a:highlight>
-                  <a:srgbClr val="FFFF00"/>
-                </a:highlight>
-                <a:latin typeface="+mj-lt"/>
-                <a:cs typeface="Times New Roman"/>
-              </a:rPr>
-              <a:t>0.18 seconds</a:t>
-            </a:r>
-          </a:p>
-          <a:p>
-            <a:r>
-              <a:rPr lang="en-US" sz="1800" b="0" dirty="0">
-                <a:solidFill>
-                  <a:srgbClr val="2A283C"/>
-                </a:solidFill>
-                <a:latin typeface="+mj-lt"/>
-                <a:cs typeface="Times New Roman"/>
-              </a:rPr>
-              <a:t>PII analysis for </a:t>
-            </a:r>
-            <a:r>
-              <a:rPr lang="en-US" sz="1800" b="0" u="sng" dirty="0">
-                <a:solidFill>
-                  <a:srgbClr val="2A283C"/>
-                </a:solidFill>
-                <a:latin typeface="+mj-lt"/>
-                <a:cs typeface="Times New Roman"/>
-              </a:rPr>
-              <a:t>2021-08-23 Doris Paquin (Spectrum) meeting notes.docx</a:t>
-            </a:r>
-            <a:r>
-              <a:rPr lang="en-US" sz="1800" b="0" dirty="0">
-                <a:solidFill>
-                  <a:srgbClr val="2A283C"/>
-                </a:solidFill>
-                <a:latin typeface="+mj-lt"/>
-                <a:cs typeface="Times New Roman"/>
-              </a:rPr>
-              <a:t> completed in </a:t>
-            </a:r>
-            <a:r>
-              <a:rPr lang="en-US" sz="1800" b="0" dirty="0">
-                <a:solidFill>
-                  <a:srgbClr val="2A283C"/>
-                </a:solidFill>
-                <a:highlight>
-                  <a:srgbClr val="FFFF00"/>
-                </a:highlight>
-                <a:latin typeface="+mj-lt"/>
-                <a:cs typeface="Times New Roman"/>
-              </a:rPr>
-              <a:t>0.11 seconds</a:t>
-            </a:r>
-          </a:p>
-          <a:p>
-            <a:r>
-              <a:rPr lang="en-US" sz="1800" b="0" dirty="0">
-                <a:solidFill>
-                  <a:srgbClr val="2A283C"/>
-                </a:solidFill>
-                <a:latin typeface="+mj-lt"/>
-                <a:cs typeface="Times New Roman"/>
-              </a:rPr>
-              <a:t>PII analysis for </a:t>
-            </a:r>
-            <a:r>
-              <a:rPr lang="en-US" sz="1800" b="0" u="sng" dirty="0">
-                <a:solidFill>
-                  <a:srgbClr val="2A283C"/>
-                </a:solidFill>
-                <a:latin typeface="+mj-lt"/>
-                <a:cs typeface="Times New Roman"/>
-              </a:rPr>
-              <a:t>2020-11-16 GSA USAB meeting notes.docx</a:t>
-            </a:r>
-            <a:r>
-              <a:rPr lang="en-US" sz="1800" b="0" dirty="0">
-                <a:solidFill>
-                  <a:srgbClr val="2A283C"/>
-                </a:solidFill>
-                <a:latin typeface="+mj-lt"/>
-                <a:cs typeface="Times New Roman"/>
-              </a:rPr>
-              <a:t> completed in </a:t>
-            </a:r>
-            <a:r>
-              <a:rPr lang="en-US" sz="1800" b="0" dirty="0">
-                <a:solidFill>
-                  <a:srgbClr val="2A283C"/>
-                </a:solidFill>
-                <a:highlight>
-                  <a:srgbClr val="FFFF00"/>
-                </a:highlight>
-                <a:latin typeface="+mj-lt"/>
-                <a:cs typeface="Times New Roman"/>
-              </a:rPr>
-              <a:t>0.18 seconds</a:t>
-            </a:r>
-          </a:p>
-          <a:p>
-            <a:r>
-              <a:rPr lang="en-US" sz="1800" b="0" dirty="0">
-                <a:solidFill>
-                  <a:srgbClr val="2A283C"/>
-                </a:solidFill>
-                <a:latin typeface="+mj-lt"/>
-                <a:cs typeface="Times New Roman"/>
-              </a:rPr>
-              <a:t>PII analysis for </a:t>
-            </a:r>
-            <a:r>
-              <a:rPr lang="en-US" sz="1800" b="0" u="sng" dirty="0">
-                <a:solidFill>
-                  <a:srgbClr val="2A283C"/>
-                </a:solidFill>
-                <a:latin typeface="+mj-lt"/>
-                <a:cs typeface="Times New Roman"/>
-              </a:rPr>
-              <a:t>2022-06-15 Onyx demo from Curtis ONeil.txt</a:t>
-            </a:r>
-            <a:r>
-              <a:rPr lang="en-US" sz="1800" b="0" dirty="0">
-                <a:solidFill>
-                  <a:srgbClr val="2A283C"/>
-                </a:solidFill>
-                <a:latin typeface="+mj-lt"/>
-                <a:cs typeface="Times New Roman"/>
-              </a:rPr>
-              <a:t> completed in </a:t>
-            </a:r>
-            <a:r>
-              <a:rPr lang="en-US" sz="1800" b="0" dirty="0">
-                <a:solidFill>
-                  <a:srgbClr val="2A283C"/>
-                </a:solidFill>
-                <a:highlight>
-                  <a:srgbClr val="FFFF00"/>
-                </a:highlight>
-                <a:latin typeface="+mj-lt"/>
-                <a:cs typeface="Times New Roman"/>
-              </a:rPr>
-              <a:t>0.06 seconds</a:t>
-            </a:r>
-          </a:p>
         </p:txBody>
       </p:sp>
+      <p:sp>
+        <p:nvSpPr>
+          <p:cNvPr id="5" name="TextBox 1">
+            <a:extLst>
+              <a:ext uri="{FF2B5EF4-FFF2-40B4-BE49-F238E27FC236}">
+                <a16:creationId xmlns:a16="http://schemas.microsoft.com/office/drawing/2014/main" id="{6BADAB6F-2A92-ECEC-A3B7-2D8F3DF07CD2}"/>
+              </a:ext>
+            </a:extLst>
+          </p:cNvPr>
+          <p:cNvSpPr txBox="1"/>
+          <p:nvPr/>
+        </p:nvSpPr>
+        <p:spPr>
+          <a:xfrm>
+            <a:off x="1024029" y="3063044"/>
+            <a:ext cx="10146348" cy="3188534"/>
+          </a:xfrm>
+          <a:prstGeom prst="rect">
+            <a:avLst/>
+          </a:prstGeom>
+          <a:noFill/>
+        </p:spPr>
+        <p:txBody>
+          <a:bodyPr rot="0" spcFirstLastPara="0" vert="horz" wrap="square" lIns="91440" tIns="45720" rIns="91440" bIns="45720" numCol="1" spcCol="0" rtlCol="0" fromWordArt="0" anchor="t" anchorCtr="0" forceAA="0" compatLnSpc="1">
+            <a:prstTxWarp prst="textNoShape">
+              <a:avLst/>
+            </a:prstTxWarp>
+            <a:spAutoFit/>
+          </a:bodyPr>
+          <a:lstStyle>
+            <a:defPPr>
+              <a:defRPr lang="en-US"/>
+            </a:defPPr>
+            <a:lvl1pPr marL="0" algn="l" defTabSz="914400" rtl="0" eaLnBrk="1" latinLnBrk="0" hangingPunct="1">
+              <a:defRPr sz="1800" kern="1200">
+                <a:solidFill>
+                  <a:schemeClr val="tx1"/>
+                </a:solidFill>
+                <a:latin typeface="+mn-lt"/>
+                <a:ea typeface="+mn-ea"/>
+                <a:cs typeface="+mn-cs"/>
+              </a:defRPr>
+            </a:lvl1pPr>
+            <a:lvl2pPr marL="457200" algn="l" defTabSz="914400" rtl="0" eaLnBrk="1" latinLnBrk="0" hangingPunct="1">
+              <a:defRPr sz="1800" kern="1200">
+                <a:solidFill>
+                  <a:schemeClr val="tx1"/>
+                </a:solidFill>
+                <a:latin typeface="+mn-lt"/>
+                <a:ea typeface="+mn-ea"/>
+                <a:cs typeface="+mn-cs"/>
+              </a:defRPr>
+            </a:lvl2pPr>
+            <a:lvl3pPr marL="914400" algn="l" defTabSz="914400" rtl="0" eaLnBrk="1" latinLnBrk="0" hangingPunct="1">
+              <a:defRPr sz="1800" kern="1200">
+                <a:solidFill>
+                  <a:schemeClr val="tx1"/>
+                </a:solidFill>
+                <a:latin typeface="+mn-lt"/>
+                <a:ea typeface="+mn-ea"/>
+                <a:cs typeface="+mn-cs"/>
+              </a:defRPr>
+            </a:lvl3pPr>
+            <a:lvl4pPr marL="1371600" algn="l" defTabSz="914400" rtl="0" eaLnBrk="1" latinLnBrk="0" hangingPunct="1">
+              <a:defRPr sz="1800" kern="1200">
+                <a:solidFill>
+                  <a:schemeClr val="tx1"/>
+                </a:solidFill>
+                <a:latin typeface="+mn-lt"/>
+                <a:ea typeface="+mn-ea"/>
+                <a:cs typeface="+mn-cs"/>
+              </a:defRPr>
+            </a:lvl4pPr>
+            <a:lvl5pPr marL="1828800" algn="l" defTabSz="914400" rtl="0" eaLnBrk="1" latinLnBrk="0" hangingPunct="1">
+              <a:defRPr sz="1800" kern="1200">
+                <a:solidFill>
+                  <a:schemeClr val="tx1"/>
+                </a:solidFill>
+                <a:latin typeface="+mn-lt"/>
+                <a:ea typeface="+mn-ea"/>
+                <a:cs typeface="+mn-cs"/>
+              </a:defRPr>
+            </a:lvl5pPr>
+            <a:lvl6pPr marL="2286000" algn="l" defTabSz="914400" rtl="0" eaLnBrk="1" latinLnBrk="0" hangingPunct="1">
+              <a:defRPr sz="1800" kern="1200">
+                <a:solidFill>
+                  <a:schemeClr val="tx1"/>
+                </a:solidFill>
+                <a:latin typeface="+mn-lt"/>
+                <a:ea typeface="+mn-ea"/>
+                <a:cs typeface="+mn-cs"/>
+              </a:defRPr>
+            </a:lvl6pPr>
+            <a:lvl7pPr marL="2743200" algn="l" defTabSz="914400" rtl="0" eaLnBrk="1" latinLnBrk="0" hangingPunct="1">
+              <a:defRPr sz="1800" kern="1200">
+                <a:solidFill>
+                  <a:schemeClr val="tx1"/>
+                </a:solidFill>
+                <a:latin typeface="+mn-lt"/>
+                <a:ea typeface="+mn-ea"/>
+                <a:cs typeface="+mn-cs"/>
+              </a:defRPr>
+            </a:lvl7pPr>
+            <a:lvl8pPr marL="3200400" algn="l" defTabSz="914400" rtl="0" eaLnBrk="1" latinLnBrk="0" hangingPunct="1">
+              <a:defRPr sz="1800" kern="1200">
+                <a:solidFill>
+                  <a:schemeClr val="tx1"/>
+                </a:solidFill>
+                <a:latin typeface="+mn-lt"/>
+                <a:ea typeface="+mn-ea"/>
+                <a:cs typeface="+mn-cs"/>
+              </a:defRPr>
+            </a:lvl8pPr>
+            <a:lvl9pPr marL="3657600" algn="l" defTabSz="914400" rtl="0" eaLnBrk="1" latinLnBrk="0" hangingPunct="1">
+              <a:defRPr sz="1800" kern="1200">
+                <a:solidFill>
+                  <a:schemeClr val="tx1"/>
+                </a:solidFill>
+                <a:latin typeface="+mn-lt"/>
+                <a:ea typeface="+mn-ea"/>
+                <a:cs typeface="+mn-cs"/>
+              </a:defRPr>
+            </a:lvl9pPr>
+          </a:lstStyle>
+          <a:p>
+            <a:pPr algn="just"/>
+            <a:r>
+              <a:rPr lang="en-US" sz="1000" dirty="0">
+                <a:latin typeface="Source Code Pro"/>
+                <a:ea typeface="Source Code Pro"/>
+              </a:rPr>
+              <a:t>'James_Webb_Space_Telescope.html': " The commissioning activities for NASAs James Webb Space Telescope </a:t>
+            </a:r>
+            <a:r>
+              <a:rPr lang="en-US" sz="1000" dirty="0" err="1">
+                <a:latin typeface="Source Code Pro"/>
+                <a:ea typeface="Source Code Pro"/>
+              </a:rPr>
+              <a:t>fornscience</a:t>
+            </a:r>
+            <a:r>
+              <a:rPr lang="en-US" sz="1000" dirty="0">
+                <a:latin typeface="Source Code Pro"/>
+                <a:ea typeface="Source Code Pro"/>
+              </a:rPr>
+              <a:t> have been completed. All of the seventeen scientific instruments have now been checked out. The </a:t>
+            </a:r>
+            <a:r>
+              <a:rPr lang="en-US" sz="1000" dirty="0" err="1">
+                <a:latin typeface="Source Code Pro"/>
+                <a:ea typeface="Source Code Pro"/>
+              </a:rPr>
+              <a:t>NearInfrared</a:t>
+            </a:r>
+            <a:r>
+              <a:rPr lang="en-US" sz="1000" dirty="0">
+                <a:latin typeface="Source Code Pro"/>
+                <a:ea typeface="Source Code Pro"/>
+              </a:rPr>
+              <a:t> Spectrograph, or </a:t>
+            </a:r>
+            <a:r>
+              <a:rPr lang="en-US" sz="1000" dirty="0" err="1">
+                <a:latin typeface="Source Code Pro"/>
+                <a:ea typeface="Source Code Pro"/>
+              </a:rPr>
+              <a:t>NIRSpec</a:t>
+            </a:r>
+            <a:r>
+              <a:rPr lang="en-US" sz="1000" dirty="0">
+                <a:latin typeface="Source Code Pro"/>
+                <a:ea typeface="Source Code Pro"/>
+              </a:rPr>
+              <a:t>, is ready for science operations. </a:t>
+            </a:r>
+            <a:r>
+              <a:rPr lang="en-US" sz="1000" dirty="0" err="1">
+                <a:latin typeface="Source Code Pro"/>
+                <a:ea typeface="Source Code Pro"/>
+              </a:rPr>
+              <a:t>NIRCam</a:t>
+            </a:r>
+            <a:r>
+              <a:rPr lang="en-US" sz="1000" dirty="0">
+                <a:latin typeface="Source Code Pro"/>
+                <a:ea typeface="Source Code Pro"/>
+              </a:rPr>
+              <a:t>, or the </a:t>
+            </a:r>
+            <a:r>
+              <a:rPr lang="en-US" sz="1000" dirty="0" err="1">
+                <a:latin typeface="Source Code Pro"/>
+                <a:ea typeface="Source Code Pro"/>
+              </a:rPr>
+              <a:t>NearInf</a:t>
+            </a:r>
+            <a:r>
+              <a:rPr lang="en-US" sz="1000" dirty="0">
+                <a:latin typeface="Source Code Pro"/>
+                <a:ea typeface="Source Code Pro"/>
+              </a:rPr>
+              <a:t> The final mode verified for </a:t>
+            </a:r>
+            <a:r>
+              <a:rPr lang="en-US" sz="1000" dirty="0" err="1">
+                <a:latin typeface="Source Code Pro"/>
+                <a:ea typeface="Source Code Pro"/>
+              </a:rPr>
+              <a:t>NIRSpec</a:t>
+            </a:r>
+            <a:r>
+              <a:rPr lang="en-US" sz="1000" dirty="0">
+                <a:latin typeface="Source Code Pro"/>
+                <a:ea typeface="Source Code Pro"/>
+              </a:rPr>
+              <a:t> was the </a:t>
+            </a:r>
+            <a:r>
+              <a:rPr lang="en-US" sz="1000" dirty="0" err="1">
+                <a:latin typeface="Source Code Pro"/>
+                <a:ea typeface="Source Code Pro"/>
+              </a:rPr>
+              <a:t>multiobject</a:t>
+            </a:r>
+            <a:r>
+              <a:rPr lang="en-US" sz="1000" dirty="0">
+                <a:latin typeface="Source Code Pro"/>
+                <a:ea typeface="Source Code Pro"/>
+              </a:rPr>
+              <a:t> spectroscopy mode, which allows it to capture spectra from hundreds of different cosmic targets at once. It will be used to characterize everything from the faintest objects in the universe to the formation of galaxies and star clusters. The James Webb Space Telescope will be launched next week. It will be a great tool for astronomers to explore space and study the universe. The next great observatory will be built after Webb. The James Webb Space Telescope is getting ready to launch. Recently it captured one of the deepest images of the universe ever taken by the telescope. The first image from the James Webb Space Telescope was taken during an engineering test. It shows faint galaxies that Webb will study in its first year of science operations. The James Webb Space Telescope will release its first </a:t>
+            </a:r>
+            <a:r>
+              <a:rPr lang="en-US" sz="1000" dirty="0" err="1">
+                <a:latin typeface="Source Code Pro"/>
+                <a:ea typeface="Source Code Pro"/>
+              </a:rPr>
+              <a:t>fullcolor</a:t>
+            </a:r>
+            <a:r>
+              <a:rPr lang="en-US" sz="1000" dirty="0">
+                <a:latin typeface="Source Code Pro"/>
+                <a:ea typeface="Source Code Pro"/>
+              </a:rPr>
+              <a:t> images </a:t>
+            </a:r>
+            <a:r>
+              <a:rPr lang="en-US" sz="1000" dirty="0" err="1">
+                <a:latin typeface="Source Code Pro"/>
+                <a:ea typeface="Source Code Pro"/>
+              </a:rPr>
+              <a:t>andnspectroscopic</a:t>
+            </a:r>
+            <a:r>
+              <a:rPr lang="en-US" sz="1000" dirty="0">
+                <a:latin typeface="Source Code Pro"/>
+                <a:ea typeface="Source Code Pro"/>
+              </a:rPr>
+              <a:t> data on July. The Canadian Space Agency's contribution to the James Webb Space Telescope is ready for scientific operations. NIRISS, the instrument that will probe exoplanets' atmospheres, will start collecting data on July 1st. The </a:t>
+            </a:r>
+            <a:r>
+              <a:rPr lang="en-US" sz="1000" dirty="0" err="1">
+                <a:latin typeface="Source Code Pro"/>
+                <a:ea typeface="Source Code Pro"/>
+              </a:rPr>
+              <a:t>NIRSpec</a:t>
+            </a:r>
+            <a:r>
+              <a:rPr lang="en-US" sz="1000" dirty="0">
+                <a:latin typeface="Source Code Pro"/>
+                <a:ea typeface="Source Code Pro"/>
+              </a:rPr>
+              <a:t> Grating Wheel Assembly GWA is used to separate the wavelengths of incoming </a:t>
+            </a:r>
+            <a:r>
+              <a:rPr lang="en-US" sz="1000" dirty="0" err="1">
+                <a:latin typeface="Source Code Pro"/>
+                <a:ea typeface="Source Code Pro"/>
+              </a:rPr>
+              <a:t>lightninto</a:t>
+            </a:r>
+            <a:r>
+              <a:rPr lang="en-US" sz="1000" dirty="0">
+                <a:latin typeface="Source Code Pro"/>
+                <a:ea typeface="Source Code Pro"/>
+              </a:rPr>
+              <a:t> a spectrum. It is also used to acquire targets and place them at the proper locations in the instrument. The James Webb Space Telescope team continues to work through the science instrument modes. This week they checked off numbers </a:t>
+            </a:r>
+            <a:r>
+              <a:rPr lang="en-US" sz="1000" dirty="0" err="1">
+                <a:latin typeface="Source Code Pro"/>
+                <a:ea typeface="Source Code Pro"/>
+              </a:rPr>
+              <a:t>NIRCamngrism</a:t>
+            </a:r>
+            <a:r>
+              <a:rPr lang="en-US" sz="1000" dirty="0">
+                <a:latin typeface="Source Code Pro"/>
+                <a:ea typeface="Source Code Pro"/>
+              </a:rPr>
+              <a:t> time series and imaging time series, both used to study exoplanets, NIRISS aperture masking interferometry, for direct detection of a The MIRI team has been working on the spectral bands of the MRS. They have been focusing on aligning the </a:t>
+            </a:r>
+            <a:r>
+              <a:rPr lang="en-US" sz="1000" dirty="0" err="1">
+                <a:latin typeface="Source Code Pro"/>
+                <a:ea typeface="Source Code Pro"/>
+              </a:rPr>
+              <a:t>imagingncomponents</a:t>
+            </a:r>
+            <a:r>
+              <a:rPr lang="en-US" sz="1000" dirty="0">
+                <a:latin typeface="Source Code Pro"/>
+                <a:ea typeface="Source Code Pro"/>
+              </a:rPr>
+              <a:t> of the instrument. The team is now in the last phase of commissioning the science instruments. The first two instrument modes, </a:t>
+            </a:r>
+            <a:r>
+              <a:rPr lang="en-US" sz="1000" dirty="0" err="1">
+                <a:latin typeface="Source Code Pro"/>
+                <a:ea typeface="Source Code Pro"/>
+              </a:rPr>
+              <a:t>NIRCam</a:t>
+            </a:r>
+            <a:r>
+              <a:rPr lang="en-US" sz="1000" dirty="0">
+                <a:latin typeface="Source Code Pro"/>
+                <a:ea typeface="Source Code Pro"/>
+              </a:rPr>
+              <a:t> The James Webb Space Telescope is about to transition from commissioning to regular operations. During regular operations, the telescope will focus on scientific observations. The James Webb Space Telescope is a project of the National Aeronautics and Space Administration."}</a:t>
+            </a:r>
+            <a:endParaRPr lang="en-US" sz="1000">
+              <a:cs typeface="Arial"/>
+            </a:endParaRPr>
+          </a:p>
+        </p:txBody>
+      </p:sp>
+      <p:graphicFrame>
+        <p:nvGraphicFramePr>
+          <p:cNvPr id="8" name="Table 7">
+            <a:extLst>
+              <a:ext uri="{FF2B5EF4-FFF2-40B4-BE49-F238E27FC236}">
+                <a16:creationId xmlns:a16="http://schemas.microsoft.com/office/drawing/2014/main" id="{76F270CF-386E-67C5-3B84-A0943E26AF43}"/>
+              </a:ext>
+            </a:extLst>
+          </p:cNvPr>
+          <p:cNvGraphicFramePr>
+            <a:graphicFrameLocks noGrp="1"/>
+          </p:cNvGraphicFramePr>
+          <p:nvPr>
+            <p:extLst>
+              <p:ext uri="{D42A27DB-BD31-4B8C-83A1-F6EECF244321}">
+                <p14:modId xmlns:p14="http://schemas.microsoft.com/office/powerpoint/2010/main" val="3959006610"/>
+              </p:ext>
+            </p:extLst>
+          </p:nvPr>
+        </p:nvGraphicFramePr>
+        <p:xfrm>
+          <a:off x="2439628" y="2310581"/>
+          <a:ext cx="7210161" cy="553064"/>
+        </p:xfrm>
+        <a:graphic>
+          <a:graphicData uri="http://schemas.openxmlformats.org/drawingml/2006/table">
+            <a:tbl>
+              <a:tblPr firstRow="1" bandRow="1">
+                <a:tableStyleId>{5940675A-B579-460E-94D1-54222C63F5DA}</a:tableStyleId>
+              </a:tblPr>
+              <a:tblGrid>
+                <a:gridCol w="3530524">
+                  <a:extLst>
+                    <a:ext uri="{9D8B030D-6E8A-4147-A177-3AD203B41FA5}">
+                      <a16:colId xmlns:a16="http://schemas.microsoft.com/office/drawing/2014/main" val="2583346850"/>
+                    </a:ext>
+                  </a:extLst>
+                </a:gridCol>
+                <a:gridCol w="1955684">
+                  <a:extLst>
+                    <a:ext uri="{9D8B030D-6E8A-4147-A177-3AD203B41FA5}">
+                      <a16:colId xmlns:a16="http://schemas.microsoft.com/office/drawing/2014/main" val="575691663"/>
+                    </a:ext>
+                  </a:extLst>
+                </a:gridCol>
+                <a:gridCol w="1723953">
+                  <a:extLst>
+                    <a:ext uri="{9D8B030D-6E8A-4147-A177-3AD203B41FA5}">
+                      <a16:colId xmlns:a16="http://schemas.microsoft.com/office/drawing/2014/main" val="3275107225"/>
+                    </a:ext>
+                  </a:extLst>
+                </a:gridCol>
+              </a:tblGrid>
+              <a:tr h="276532">
+                <a:tc>
+                  <a:txBody>
+                    <a:bodyPr/>
+                    <a:lstStyle/>
+                    <a:p>
+                      <a:pPr lvl="0" rtl="0">
+                        <a:buNone/>
+                      </a:pPr>
+                      <a:r>
+                        <a:rPr lang="en-US" sz="1200" kern="1200" dirty="0">
+                          <a:solidFill>
+                            <a:schemeClr val="tx1"/>
+                          </a:solidFill>
+                          <a:effectLst/>
+                          <a:latin typeface="+mn-lt"/>
+                          <a:ea typeface="+mn-ea"/>
+                          <a:cs typeface="+mn-cs"/>
+                        </a:rPr>
+                        <a:t>File name​</a:t>
+                      </a:r>
+                    </a:p>
+                  </a:txBody>
+                  <a:tcPr/>
+                </a:tc>
+                <a:tc>
+                  <a:txBody>
+                    <a:bodyPr/>
+                    <a:lstStyle/>
+                    <a:p>
+                      <a:pPr lvl="0" rtl="0">
+                        <a:buNone/>
+                      </a:pPr>
+                      <a:r>
+                        <a:rPr lang="en-US" sz="1200" kern="1200" dirty="0">
+                          <a:solidFill>
+                            <a:schemeClr val="tx1"/>
+                          </a:solidFill>
+                          <a:effectLst/>
+                          <a:latin typeface="+mn-lt"/>
+                          <a:ea typeface="+mn-ea"/>
+                          <a:cs typeface="+mn-cs"/>
+                        </a:rPr>
+                        <a:t>File size​</a:t>
+                      </a:r>
+                    </a:p>
+                  </a:txBody>
+                  <a:tcPr/>
+                </a:tc>
+                <a:tc>
+                  <a:txBody>
+                    <a:bodyPr/>
+                    <a:lstStyle/>
+                    <a:p>
+                      <a:pPr lvl="0" rtl="0">
+                        <a:buNone/>
+                      </a:pPr>
+                      <a:r>
+                        <a:rPr lang="en-US" sz="1200" kern="1200" dirty="0">
+                          <a:solidFill>
+                            <a:schemeClr val="tx1"/>
+                          </a:solidFill>
+                          <a:effectLst/>
+                          <a:latin typeface="+mn-lt"/>
+                          <a:ea typeface="+mn-ea"/>
+                          <a:cs typeface="+mn-cs"/>
+                        </a:rPr>
+                        <a:t>Execution time​</a:t>
+                      </a:r>
+                    </a:p>
+                  </a:txBody>
+                  <a:tcPr/>
+                </a:tc>
+                <a:extLst>
+                  <a:ext uri="{0D108BD9-81ED-4DB2-BD59-A6C34878D82A}">
+                    <a16:rowId xmlns:a16="http://schemas.microsoft.com/office/drawing/2014/main" val="1850991967"/>
+                  </a:ext>
+                </a:extLst>
+              </a:tr>
+              <a:tr h="276532">
+                <a:tc>
+                  <a:txBody>
+                    <a:bodyPr/>
+                    <a:lstStyle/>
+                    <a:p>
+                      <a:pPr rtl="0" fontAlgn="base"/>
+                      <a:r>
+                        <a:rPr lang="en-CA" sz="1200" dirty="0">
+                          <a:effectLst/>
+                        </a:rPr>
+                        <a:t>James_Webb_Space_Telescope.html​</a:t>
+                      </a:r>
+                    </a:p>
+                  </a:txBody>
+                  <a:tcPr/>
+                </a:tc>
+                <a:tc>
+                  <a:txBody>
+                    <a:bodyPr/>
+                    <a:lstStyle/>
+                    <a:p>
+                      <a:pPr rtl="0" fontAlgn="base"/>
+                      <a:r>
+                        <a:rPr lang="en-CA" sz="1200" dirty="0">
+                          <a:effectLst/>
+                        </a:rPr>
+                        <a:t>100 kb | 6328 words​</a:t>
+                      </a:r>
+                    </a:p>
+                  </a:txBody>
+                  <a:tcPr/>
+                </a:tc>
+                <a:tc>
+                  <a:txBody>
+                    <a:bodyPr/>
+                    <a:lstStyle/>
+                    <a:p>
+                      <a:pPr rtl="0" fontAlgn="base"/>
+                      <a:r>
+                        <a:rPr lang="en-US" sz="1200" dirty="0">
+                          <a:effectLst/>
+                        </a:rPr>
+                        <a:t>5.43 seconds​</a:t>
+                      </a:r>
+                    </a:p>
+                  </a:txBody>
+                  <a:tcPr/>
+                </a:tc>
+                <a:extLst>
+                  <a:ext uri="{0D108BD9-81ED-4DB2-BD59-A6C34878D82A}">
+                    <a16:rowId xmlns:a16="http://schemas.microsoft.com/office/drawing/2014/main" val="4175944684"/>
+                  </a:ext>
+                </a:extLst>
+              </a:tr>
+            </a:tbl>
+          </a:graphicData>
+        </a:graphic>
+      </p:graphicFrame>
     </p:spTree>
     <p:extLst>
       <p:ext uri="{BB962C8B-B14F-4D97-AF65-F5344CB8AC3E}">
-        <p14:creationId xmlns:p14="http://schemas.microsoft.com/office/powerpoint/2010/main" val="3471695487"/>
+        <p14:creationId xmlns:p14="http://schemas.microsoft.com/office/powerpoint/2010/main" val="1292527558"/>
       </p:ext>
     </p:extLst>
   </p:cSld>
@@ -5740,7 +6440,7 @@
         <p:spPr>
           <a:xfrm>
             <a:off x="558342" y="525380"/>
-            <a:ext cx="7520338" cy="507243"/>
+            <a:ext cx="7626870" cy="507243"/>
           </a:xfrm>
         </p:spPr>
         <p:txBody>
@@ -5750,34 +6450,48 @@
           <a:lstStyle/>
           <a:p>
             <a:r>
-              <a:rPr lang="en-US" sz="2200" dirty="0">
+              <a:rPr lang="en-CA" sz="2200" dirty="0">
                 <a:latin typeface="Arial"/>
+                <a:ea typeface="Calibri" panose="020F0502020204030204" pitchFamily="34" charset="0"/>
                 <a:cs typeface="Times New Roman"/>
               </a:rPr>
-              <a:t>PII detection using Presidio analyzer-</a:t>
-            </a:r>
-            <a:r>
-              <a:rPr lang="en-US" sz="2200" dirty="0" err="1">
+              <a:t>PII detection </a:t>
+            </a:r>
+            <a:r>
+              <a:rPr lang="en-CA" sz="2200" b="1" dirty="0">
+                <a:effectLst/>
                 <a:latin typeface="Arial"/>
+                <a:ea typeface="Calibri" panose="020F0502020204030204" pitchFamily="34" charset="0"/>
                 <a:cs typeface="Times New Roman"/>
               </a:rPr>
+              <a:t>using Presidio analyzer-</a:t>
+            </a:r>
+            <a:r>
+              <a:rPr lang="en-CA" sz="2200" b="1" dirty="0" err="1">
+                <a:effectLst/>
+                <a:latin typeface="Arial"/>
+                <a:ea typeface="Calibri" panose="020F0502020204030204" pitchFamily="34" charset="0"/>
+                <a:cs typeface="Times New Roman"/>
+              </a:rPr>
               <a:t>AnalyzerEngine</a:t>
             </a:r>
             <a:br>
-              <a:rPr lang="en-US" sz="2200" dirty="0">
+              <a:rPr lang="en-CA" sz="2200" b="1" dirty="0">
+                <a:effectLst/>
                 <a:latin typeface="Arial"/>
-                <a:cs typeface="Times New Roman"/>
+                <a:ea typeface="Calibri" panose="020F0502020204030204" pitchFamily="34" charset="0"/>
+                <a:cs typeface="Times New Roman" panose="02020603050405020304" pitchFamily="18" charset="0"/>
               </a:rPr>
             </a:br>
             <a:br>
-              <a:rPr lang="en-US" sz="2200" dirty="0">
+              <a:rPr lang="en-CA" sz="1800" dirty="0">
+                <a:effectLst/>
                 <a:latin typeface="Arial"/>
-                <a:cs typeface="Times New Roman"/>
+                <a:ea typeface="Calibri" panose="020F0502020204030204" pitchFamily="34" charset="0"/>
+                <a:cs typeface="Times New Roman" panose="02020603050405020304" pitchFamily="18" charset="0"/>
               </a:rPr>
             </a:br>
-            <a:endParaRPr lang="en-CA">
-              <a:cs typeface="Arial"/>
-            </a:endParaRPr>
+            <a:endParaRPr lang="en-CA"/>
           </a:p>
         </p:txBody>
       </p:sp>
@@ -5799,8 +6513,8 @@
         </p:nvSpPr>
         <p:spPr>
           <a:xfrm>
-            <a:off x="7368466" y="512763"/>
-            <a:ext cx="4283534" cy="519861"/>
+            <a:off x="8256232" y="512763"/>
+            <a:ext cx="3395767" cy="519861"/>
           </a:xfrm>
         </p:spPr>
         <p:txBody>
@@ -5808,9 +6522,10 @@
           <a:lstStyle/>
           <a:p>
             <a:r>
-              <a:rPr lang="en-CA"/>
-              <a:t>PII detection function</a:t>
-            </a:r>
+              <a:rPr lang="en-US"/>
+              <a:t>Function execution</a:t>
+            </a:r>
+            <a:endParaRPr lang="en-CA"/>
           </a:p>
         </p:txBody>
       </p:sp>
@@ -5846,10 +6561,572 @@
       </p:sp>
       <p:sp>
         <p:nvSpPr>
-          <p:cNvPr id="12" name="TextBox 11">
-            <a:extLst>
-              <a:ext uri="{FF2B5EF4-FFF2-40B4-BE49-F238E27FC236}">
-                <a16:creationId xmlns:a16="http://schemas.microsoft.com/office/drawing/2014/main" id="{BAF116DE-0FDD-4FB7-8FD9-2E3F78499013}"/>
+          <p:cNvPr id="7" name="Content Placeholder 6">
+            <a:extLst>
+              <a:ext uri="{FF2B5EF4-FFF2-40B4-BE49-F238E27FC236}">
+                <a16:creationId xmlns:a16="http://schemas.microsoft.com/office/drawing/2014/main" id="{43B25AB8-E67A-4DA5-A786-C1B9BDB2C529}"/>
+              </a:ext>
+            </a:extLst>
+          </p:cNvPr>
+          <p:cNvSpPr>
+            <a:spLocks noGrp="1"/>
+          </p:cNvSpPr>
+          <p:nvPr>
+            <p:ph idx="1"/>
+          </p:nvPr>
+        </p:nvSpPr>
+        <p:spPr>
+          <a:xfrm>
+            <a:off x="548378" y="1253331"/>
+            <a:ext cx="11093656" cy="4351338"/>
+          </a:xfrm>
+        </p:spPr>
+        <p:txBody>
+          <a:bodyPr lIns="91440" tIns="45720" rIns="91440" bIns="45720" anchor="t"/>
+          <a:lstStyle/>
+          <a:p>
+            <a:pPr marL="0" indent="0">
+              <a:buNone/>
+            </a:pPr>
+            <a:r>
+              <a:rPr lang="en-CA" sz="2000" dirty="0">
+                <a:solidFill>
+                  <a:schemeClr val="accent5"/>
+                </a:solidFill>
+                <a:latin typeface="+mj-lt"/>
+                <a:cs typeface="Arial"/>
+              </a:rPr>
+              <a:t>API: Presidio analyzer - </a:t>
+            </a:r>
+            <a:r>
+              <a:rPr lang="en-CA" sz="2000" b="0" dirty="0">
+                <a:latin typeface="+mj-lt"/>
+                <a:cs typeface="Arial"/>
+                <a:hlinkClick r:id="rId3"/>
+              </a:rPr>
+              <a:t>Microsoft Presidio</a:t>
+            </a:r>
+            <a:r>
+              <a:rPr lang="en-CA" sz="2000" dirty="0">
+                <a:solidFill>
+                  <a:schemeClr val="accent5"/>
+                </a:solidFill>
+                <a:latin typeface="+mj-lt"/>
+                <a:cs typeface="Arial"/>
+              </a:rPr>
+              <a:t> </a:t>
+            </a:r>
+            <a:endParaRPr lang="en-CA" sz="1800">
+              <a:solidFill>
+                <a:schemeClr val="accent5"/>
+              </a:solidFill>
+              <a:latin typeface="+mj-lt"/>
+              <a:cs typeface="Times New Roman" panose="02020603050405020304" pitchFamily="18" charset="0"/>
+            </a:endParaRPr>
+          </a:p>
+          <a:p>
+            <a:pPr marL="0" indent="0">
+              <a:buNone/>
+            </a:pPr>
+            <a:r>
+              <a:rPr lang="en-CA" sz="1800" dirty="0">
+                <a:solidFill>
+                  <a:srgbClr val="2A283C"/>
+                </a:solidFill>
+                <a:latin typeface="+mj-lt"/>
+                <a:cs typeface="Times New Roman"/>
+              </a:rPr>
+              <a:t>Sample data </a:t>
+            </a:r>
+            <a:endParaRPr lang="en-CA" sz="1800" dirty="0">
+              <a:solidFill>
+                <a:srgbClr val="2A283C"/>
+              </a:solidFill>
+              <a:latin typeface="+mj-lt"/>
+              <a:cs typeface="Times New Roman" panose="02020603050405020304" pitchFamily="18" charset="0"/>
+            </a:endParaRPr>
+          </a:p>
+        </p:txBody>
+      </p:sp>
+      <p:graphicFrame>
+        <p:nvGraphicFramePr>
+          <p:cNvPr id="3" name="Table 2">
+            <a:extLst>
+              <a:ext uri="{FF2B5EF4-FFF2-40B4-BE49-F238E27FC236}">
+                <a16:creationId xmlns:a16="http://schemas.microsoft.com/office/drawing/2014/main" id="{6D76F68C-EAA3-FD59-8B63-7CD6D3E7979F}"/>
+              </a:ext>
+            </a:extLst>
+          </p:cNvPr>
+          <p:cNvGraphicFramePr>
+            <a:graphicFrameLocks noGrp="1"/>
+          </p:cNvGraphicFramePr>
+          <p:nvPr>
+            <p:extLst>
+              <p:ext uri="{D42A27DB-BD31-4B8C-83A1-F6EECF244321}">
+                <p14:modId xmlns:p14="http://schemas.microsoft.com/office/powerpoint/2010/main" val="2352764528"/>
+              </p:ext>
+            </p:extLst>
+          </p:nvPr>
+        </p:nvGraphicFramePr>
+        <p:xfrm>
+          <a:off x="1044163" y="2347079"/>
+          <a:ext cx="10218525" cy="1828800"/>
+        </p:xfrm>
+        <a:graphic>
+          <a:graphicData uri="http://schemas.openxmlformats.org/drawingml/2006/table">
+            <a:tbl>
+              <a:tblPr firstRow="1" bandRow="1">
+                <a:tableStyleId>{5940675A-B579-460E-94D1-54222C63F5DA}</a:tableStyleId>
+              </a:tblPr>
+              <a:tblGrid>
+                <a:gridCol w="5981527">
+                  <a:extLst>
+                    <a:ext uri="{9D8B030D-6E8A-4147-A177-3AD203B41FA5}">
+                      <a16:colId xmlns:a16="http://schemas.microsoft.com/office/drawing/2014/main" val="156838468"/>
+                    </a:ext>
+                  </a:extLst>
+                </a:gridCol>
+                <a:gridCol w="2491274">
+                  <a:extLst>
+                    <a:ext uri="{9D8B030D-6E8A-4147-A177-3AD203B41FA5}">
+                      <a16:colId xmlns:a16="http://schemas.microsoft.com/office/drawing/2014/main" val="3278982087"/>
+                    </a:ext>
+                  </a:extLst>
+                </a:gridCol>
+                <a:gridCol w="1745724">
+                  <a:extLst>
+                    <a:ext uri="{9D8B030D-6E8A-4147-A177-3AD203B41FA5}">
+                      <a16:colId xmlns:a16="http://schemas.microsoft.com/office/drawing/2014/main" val="3934974675"/>
+                    </a:ext>
+                  </a:extLst>
+                </a:gridCol>
+              </a:tblGrid>
+              <a:tr h="344122">
+                <a:tc>
+                  <a:txBody>
+                    <a:bodyPr/>
+                    <a:lstStyle/>
+                    <a:p>
+                      <a:r>
+                        <a:rPr lang="en-US" dirty="0"/>
+                        <a:t>File name</a:t>
+                      </a:r>
+                    </a:p>
+                  </a:txBody>
+                  <a:tcPr/>
+                </a:tc>
+                <a:tc>
+                  <a:txBody>
+                    <a:bodyPr/>
+                    <a:lstStyle/>
+                    <a:p>
+                      <a:r>
+                        <a:rPr lang="en-US" dirty="0"/>
+                        <a:t>File size</a:t>
+                      </a:r>
+                    </a:p>
+                  </a:txBody>
+                  <a:tcPr/>
+                </a:tc>
+                <a:tc>
+                  <a:txBody>
+                    <a:bodyPr/>
+                    <a:lstStyle/>
+                    <a:p>
+                      <a:r>
+                        <a:rPr lang="en-US" dirty="0"/>
+                        <a:t>Execution time</a:t>
+                      </a:r>
+                    </a:p>
+                  </a:txBody>
+                  <a:tcPr/>
+                </a:tc>
+                <a:extLst>
+                  <a:ext uri="{0D108BD9-81ED-4DB2-BD59-A6C34878D82A}">
+                    <a16:rowId xmlns:a16="http://schemas.microsoft.com/office/drawing/2014/main" val="2238375445"/>
+                  </a:ext>
+                </a:extLst>
+              </a:tr>
+              <a:tr h="344122">
+                <a:tc>
+                  <a:txBody>
+                    <a:bodyPr/>
+                    <a:lstStyle/>
+                    <a:p>
+                      <a:pPr lvl="0">
+                        <a:buNone/>
+                      </a:pPr>
+                      <a:r>
+                        <a:rPr lang="en-CA" sz="1800" b="0" i="0" u="none" strike="noStrike" baseline="0" noProof="0" dirty="0">
+                          <a:solidFill>
+                            <a:srgbClr val="2A283C"/>
+                          </a:solidFill>
+                          <a:latin typeface="Arial"/>
+                        </a:rPr>
+                        <a:t>2021-08-23 </a:t>
+                      </a:r>
+                      <a:r>
+                        <a:rPr lang="en-CA" sz="1800" b="0" i="0" u="none" strike="noStrike" kern="1200" baseline="0" noProof="0" dirty="0">
+                          <a:solidFill>
+                            <a:srgbClr val="2A283C"/>
+                          </a:solidFill>
+                          <a:latin typeface="Arial"/>
+                          <a:ea typeface="+mn-ea"/>
+                          <a:cs typeface="+mn-cs"/>
+                        </a:rPr>
+                        <a:t>Doris Paquin</a:t>
+                      </a:r>
+                      <a:r>
+                        <a:rPr lang="en-CA" sz="1800" b="0" i="0" u="none" strike="noStrike" baseline="0" noProof="0" dirty="0">
+                          <a:solidFill>
+                            <a:srgbClr val="2A283C"/>
+                          </a:solidFill>
+                          <a:latin typeface="Arial"/>
+                        </a:rPr>
+                        <a:t> (Spectrum) meeting notes.docx</a:t>
+                      </a:r>
+                      <a:endParaRPr lang="en-US" baseline="0" dirty="0">
+                        <a:solidFill>
+                          <a:srgbClr val="2A283C"/>
+                        </a:solidFill>
+                      </a:endParaRPr>
+                    </a:p>
+                  </a:txBody>
+                  <a:tcPr/>
+                </a:tc>
+                <a:tc>
+                  <a:txBody>
+                    <a:bodyPr/>
+                    <a:lstStyle/>
+                    <a:p>
+                      <a:pPr lvl="0">
+                        <a:buNone/>
+                      </a:pPr>
+                      <a:r>
+                        <a:rPr lang="en-CA" sz="1800" b="0" i="0" u="none" strike="noStrike" noProof="0" dirty="0"/>
+                        <a:t>30kb | 769 words</a:t>
+                      </a:r>
+                      <a:endParaRPr lang="en-US" dirty="0"/>
+                    </a:p>
+                  </a:txBody>
+                  <a:tcPr/>
+                </a:tc>
+                <a:tc>
+                  <a:txBody>
+                    <a:bodyPr/>
+                    <a:lstStyle/>
+                    <a:p>
+                      <a:pPr marL="0" lvl="0" indent="0" algn="l">
+                        <a:lnSpc>
+                          <a:spcPct val="100000"/>
+                        </a:lnSpc>
+                        <a:buNone/>
+                      </a:pPr>
+                      <a:r>
+                        <a:rPr lang="en-US" sz="1800" b="0" i="0" u="none" strike="noStrike" baseline="0" noProof="0" dirty="0">
+                          <a:solidFill>
+                            <a:srgbClr val="2A283C"/>
+                          </a:solidFill>
+                          <a:latin typeface="Arial"/>
+                        </a:rPr>
+                        <a:t>0.11 seconds</a:t>
+                      </a:r>
+                    </a:p>
+                  </a:txBody>
+                  <a:tcPr/>
+                </a:tc>
+                <a:extLst>
+                  <a:ext uri="{0D108BD9-81ED-4DB2-BD59-A6C34878D82A}">
+                    <a16:rowId xmlns:a16="http://schemas.microsoft.com/office/drawing/2014/main" val="2112516585"/>
+                  </a:ext>
+                </a:extLst>
+              </a:tr>
+              <a:tr h="344122">
+                <a:tc>
+                  <a:txBody>
+                    <a:bodyPr/>
+                    <a:lstStyle/>
+                    <a:p>
+                      <a:pPr lvl="0">
+                        <a:buNone/>
+                      </a:pPr>
+                      <a:r>
+                        <a:rPr lang="en-CA" sz="1800" b="0" i="0" u="none" strike="noStrike" kern="1200" baseline="0" noProof="0" dirty="0">
+                          <a:solidFill>
+                            <a:srgbClr val="2A283C"/>
+                          </a:solidFill>
+                          <a:latin typeface="Arial"/>
+                          <a:ea typeface="+mn-ea"/>
+                          <a:cs typeface="+mn-cs"/>
+                        </a:rPr>
+                        <a:t>2020</a:t>
+                      </a:r>
+                      <a:r>
+                        <a:rPr lang="en-CA" sz="1800" b="0" i="0" u="none" strike="noStrike" baseline="0" noProof="0" dirty="0">
+                          <a:solidFill>
+                            <a:srgbClr val="2A283C"/>
+                          </a:solidFill>
+                          <a:latin typeface="Arial"/>
+                        </a:rPr>
+                        <a:t>-11-16 GSA USAB meeting notes.docx</a:t>
+                      </a:r>
+                      <a:endParaRPr lang="en-US" dirty="0"/>
+                    </a:p>
+                  </a:txBody>
+                  <a:tcPr/>
+                </a:tc>
+                <a:tc>
+                  <a:txBody>
+                    <a:bodyPr/>
+                    <a:lstStyle/>
+                    <a:p>
+                      <a:pPr lvl="0">
+                        <a:buNone/>
+                      </a:pPr>
+                      <a:r>
+                        <a:rPr lang="en-CA" sz="1800" b="0" i="0" u="none" strike="noStrike" noProof="0" dirty="0"/>
+                        <a:t>19kb | </a:t>
+                      </a:r>
+                      <a:r>
+                        <a:rPr lang="en-CA" sz="1800" b="0" i="0" u="none" strike="noStrike" noProof="0" dirty="0">
+                          <a:latin typeface="Arial"/>
+                        </a:rPr>
+                        <a:t>1364 </a:t>
+                      </a:r>
+                      <a:r>
+                        <a:rPr lang="en-CA" sz="1800" b="0" i="0" u="none" strike="noStrike" noProof="0" dirty="0"/>
+                        <a:t>words</a:t>
+                      </a:r>
+                      <a:endParaRPr lang="en-US" dirty="0"/>
+                    </a:p>
+                  </a:txBody>
+                  <a:tcPr/>
+                </a:tc>
+                <a:tc>
+                  <a:txBody>
+                    <a:bodyPr/>
+                    <a:lstStyle/>
+                    <a:p>
+                      <a:pPr lvl="0">
+                        <a:buNone/>
+                      </a:pPr>
+                      <a:r>
+                        <a:rPr lang="en-US" sz="1800" b="0" i="0" u="none" strike="noStrike" baseline="0" noProof="0" dirty="0">
+                          <a:solidFill>
+                            <a:srgbClr val="2A283C"/>
+                          </a:solidFill>
+                          <a:latin typeface="Arial"/>
+                        </a:rPr>
+                        <a:t>0.18 seconds</a:t>
+                      </a:r>
+                      <a:endParaRPr lang="en-US" dirty="0"/>
+                    </a:p>
+                  </a:txBody>
+                  <a:tcPr/>
+                </a:tc>
+                <a:extLst>
+                  <a:ext uri="{0D108BD9-81ED-4DB2-BD59-A6C34878D82A}">
+                    <a16:rowId xmlns:a16="http://schemas.microsoft.com/office/drawing/2014/main" val="3343101917"/>
+                  </a:ext>
+                </a:extLst>
+              </a:tr>
+              <a:tr h="344122">
+                <a:tc>
+                  <a:txBody>
+                    <a:bodyPr/>
+                    <a:lstStyle/>
+                    <a:p>
+                      <a:pPr lvl="0">
+                        <a:buNone/>
+                      </a:pPr>
+                      <a:r>
+                        <a:rPr lang="en-CA" sz="1800" b="0" i="0" u="none" strike="noStrike" kern="1200" baseline="0" noProof="0" dirty="0" err="1">
+                          <a:solidFill>
+                            <a:srgbClr val="2A283C"/>
+                          </a:solidFill>
+                          <a:latin typeface="Arial"/>
+                          <a:ea typeface="+mn-ea"/>
+                          <a:cs typeface="+mn-cs"/>
+                        </a:rPr>
+                        <a:t>ebidm</a:t>
+                      </a:r>
+                      <a:r>
+                        <a:rPr lang="en-CA" sz="1800" b="0" i="0" u="none" strike="noStrike" baseline="0" noProof="0" dirty="0" err="1">
+                          <a:solidFill>
+                            <a:srgbClr val="2A283C"/>
+                          </a:solidFill>
+                          <a:latin typeface="Arial"/>
+                        </a:rPr>
+                        <a:t>-dsai</a:t>
+                      </a:r>
+                      <a:r>
+                        <a:rPr lang="en-CA" sz="1800" b="0" i="0" u="none" strike="noStrike" baseline="0" noProof="0" dirty="0">
+                          <a:solidFill>
+                            <a:srgbClr val="2A283C"/>
+                          </a:solidFill>
+                          <a:latin typeface="Arial"/>
+                        </a:rPr>
+                        <a:t> meeting notes 2022-01-21.docx</a:t>
+                      </a:r>
+                      <a:endParaRPr lang="en-US" dirty="0"/>
+                    </a:p>
+                  </a:txBody>
+                  <a:tcPr/>
+                </a:tc>
+                <a:tc>
+                  <a:txBody>
+                    <a:bodyPr/>
+                    <a:lstStyle/>
+                    <a:p>
+                      <a:pPr lvl="0">
+                        <a:buNone/>
+                      </a:pPr>
+                      <a:r>
+                        <a:rPr lang="en-CA" sz="1800" b="0" i="0" u="none" strike="noStrike" noProof="0" dirty="0"/>
+                        <a:t>37kb | </a:t>
+                      </a:r>
+                      <a:r>
+                        <a:rPr lang="en-CA" sz="1800" b="0" i="0" u="none" strike="noStrike" noProof="0" dirty="0">
+                          <a:latin typeface="Arial"/>
+                        </a:rPr>
+                        <a:t>1140 </a:t>
+                      </a:r>
+                      <a:r>
+                        <a:rPr lang="en-CA" sz="1800" b="0" i="0" u="none" strike="noStrike" noProof="0" dirty="0"/>
+                        <a:t>words</a:t>
+                      </a:r>
+                      <a:endParaRPr lang="en-US" dirty="0"/>
+                    </a:p>
+                  </a:txBody>
+                  <a:tcPr/>
+                </a:tc>
+                <a:tc>
+                  <a:txBody>
+                    <a:bodyPr/>
+                    <a:lstStyle/>
+                    <a:p>
+                      <a:pPr lvl="0">
+                        <a:buNone/>
+                      </a:pPr>
+                      <a:r>
+                        <a:rPr lang="en-US" sz="1800" b="0" i="0" u="none" strike="noStrike" baseline="0" noProof="0" dirty="0">
+                          <a:solidFill>
+                            <a:srgbClr val="2A283C"/>
+                          </a:solidFill>
+                          <a:latin typeface="Arial"/>
+                        </a:rPr>
+                        <a:t>0.18 seconds</a:t>
+                      </a:r>
+                      <a:endParaRPr lang="en-US" dirty="0"/>
+                    </a:p>
+                  </a:txBody>
+                  <a:tcPr/>
+                </a:tc>
+                <a:extLst>
+                  <a:ext uri="{0D108BD9-81ED-4DB2-BD59-A6C34878D82A}">
+                    <a16:rowId xmlns:a16="http://schemas.microsoft.com/office/drawing/2014/main" val="4129025235"/>
+                  </a:ext>
+                </a:extLst>
+              </a:tr>
+              <a:tr h="344122">
+                <a:tc>
+                  <a:txBody>
+                    <a:bodyPr/>
+                    <a:lstStyle/>
+                    <a:p>
+                      <a:pPr lvl="0">
+                        <a:buNone/>
+                      </a:pPr>
+                      <a:r>
+                        <a:rPr lang="en-CA" sz="1800" b="0" i="0" u="none" strike="noStrike" kern="1200" baseline="0" noProof="0" dirty="0">
+                          <a:solidFill>
+                            <a:srgbClr val="2A283C"/>
+                          </a:solidFill>
+                          <a:latin typeface="Arial"/>
+                          <a:ea typeface="+mn-ea"/>
+                          <a:cs typeface="+mn-cs"/>
+                        </a:rPr>
+                        <a:t>2022</a:t>
+                      </a:r>
+                      <a:r>
+                        <a:rPr lang="en-CA" sz="1800" b="0" i="0" u="none" strike="noStrike" baseline="0" noProof="0" dirty="0">
+                          <a:solidFill>
+                            <a:srgbClr val="2A283C"/>
+                          </a:solidFill>
+                          <a:latin typeface="Arial"/>
+                        </a:rPr>
+                        <a:t>-06-15 Onyx demo from Curtis ONeil.txt</a:t>
+                      </a:r>
+                      <a:endParaRPr lang="en-US" dirty="0"/>
+                    </a:p>
+                  </a:txBody>
+                  <a:tcPr/>
+                </a:tc>
+                <a:tc>
+                  <a:txBody>
+                    <a:bodyPr/>
+                    <a:lstStyle/>
+                    <a:p>
+                      <a:pPr lvl="0">
+                        <a:buNone/>
+                      </a:pPr>
+                      <a:r>
+                        <a:rPr lang="en-CA" sz="1800" b="0" i="0" u="none" strike="noStrike" noProof="0" dirty="0"/>
+                        <a:t>3kb | </a:t>
+                      </a:r>
+                      <a:r>
+                        <a:rPr lang="en-CA" sz="1800" b="0" i="0" u="none" strike="noStrike" noProof="0" dirty="0">
+                          <a:latin typeface="Arial"/>
+                        </a:rPr>
+                        <a:t>349 </a:t>
+                      </a:r>
+                      <a:r>
+                        <a:rPr lang="en-CA" sz="1800" b="0" i="0" u="none" strike="noStrike" noProof="0" dirty="0"/>
+                        <a:t>words</a:t>
+                      </a:r>
+                      <a:endParaRPr lang="en-US" dirty="0"/>
+                    </a:p>
+                  </a:txBody>
+                  <a:tcPr/>
+                </a:tc>
+                <a:tc>
+                  <a:txBody>
+                    <a:bodyPr/>
+                    <a:lstStyle/>
+                    <a:p>
+                      <a:pPr lvl="0">
+                        <a:buNone/>
+                      </a:pPr>
+                      <a:r>
+                        <a:rPr lang="en-US" sz="1800" b="0" i="0" u="none" strike="noStrike" baseline="0" noProof="0" dirty="0">
+                          <a:solidFill>
+                            <a:srgbClr val="2A283C"/>
+                          </a:solidFill>
+                          <a:latin typeface="Arial"/>
+                        </a:rPr>
+                        <a:t>0.06 seconds</a:t>
+                      </a:r>
+                      <a:endParaRPr lang="en-US" dirty="0"/>
+                    </a:p>
+                  </a:txBody>
+                  <a:tcPr/>
+                </a:tc>
+                <a:extLst>
+                  <a:ext uri="{0D108BD9-81ED-4DB2-BD59-A6C34878D82A}">
+                    <a16:rowId xmlns:a16="http://schemas.microsoft.com/office/drawing/2014/main" val="2561200509"/>
+                  </a:ext>
+                </a:extLst>
+              </a:tr>
+            </a:tbl>
+          </a:graphicData>
+        </a:graphic>
+      </p:graphicFrame>
+      <p:sp>
+        <p:nvSpPr>
+          <p:cNvPr id="2" name="TextBox 1">
+            <a:extLst>
+              <a:ext uri="{FF2B5EF4-FFF2-40B4-BE49-F238E27FC236}">
+                <a16:creationId xmlns:a16="http://schemas.microsoft.com/office/drawing/2014/main" id="{606B3D27-2884-15E6-616F-64F96FDE5D55}"/>
               </a:ext>
             </a:extLst>
           </p:cNvPr>
@@ -5858,8 +7135,8 @@
         </p:nvSpPr>
         <p:spPr>
           <a:xfrm>
-            <a:off x="558342" y="1252978"/>
-            <a:ext cx="3569775" cy="400110"/>
+            <a:off x="557981" y="4490884"/>
+            <a:ext cx="9638071" cy="1200329"/>
           </a:xfrm>
           <a:prstGeom prst="rect">
             <a:avLst/>
@@ -5867,116 +7144,91 @@
           <a:noFill/>
         </p:spPr>
         <p:txBody>
-          <a:bodyPr wrap="square" lIns="91440" tIns="45720" rIns="91440" bIns="45720" anchor="t">
+          <a:bodyPr rot="0" spcFirstLastPara="0" vertOverflow="overflow" horzOverflow="overflow" vert="horz" wrap="square" lIns="91440" tIns="45720" rIns="91440" bIns="45720" numCol="1" spcCol="0" rtlCol="0" fromWordArt="0" anchor="t" anchorCtr="0" forceAA="0" compatLnSpc="1">
+            <a:prstTxWarp prst="textNoShape">
+              <a:avLst/>
+            </a:prstTxWarp>
             <a:spAutoFit/>
           </a:bodyPr>
           <a:lstStyle/>
           <a:p>
-            <a:r>
-              <a:rPr lang="en-CA" sz="2000" b="1" dirty="0">
+            <a:pPr algn="just"/>
+            <a:r>
+              <a:rPr lang="en-US" b="1" dirty="0">
+                <a:cs typeface="Arial"/>
+              </a:rPr>
+              <a:t>Observations: </a:t>
+            </a:r>
+            <a:r>
+              <a:rPr lang="en-US" dirty="0">
+                <a:cs typeface="Arial"/>
+              </a:rPr>
+              <a:t>​​</a:t>
+            </a:r>
+            <a:endParaRPr lang="en-US" dirty="0"/>
+          </a:p>
+          <a:p>
+            <a:pPr marL="285750" indent="-285750" algn="just">
+              <a:buFont typeface="Arial"/>
+              <a:buChar char="•"/>
+            </a:pPr>
+            <a:r>
+              <a:rPr lang="en-US" dirty="0">
                 <a:solidFill>
-                  <a:schemeClr val="accent5"/>
+                  <a:srgbClr val="2A283C"/>
                 </a:solidFill>
-                <a:latin typeface="+mj-lt"/>
                 <a:cs typeface="Arial"/>
               </a:rPr>
-              <a:t>PII detection flowchart:</a:t>
-            </a:r>
+              <a:t>Presidio does</a:t>
+            </a:r>
+            <a:r>
+              <a:rPr lang="en-US" dirty="0">
+                <a:cs typeface="Arial"/>
+              </a:rPr>
+              <a:t> not detect dates. Had to use a different date parser to process the dates.</a:t>
+            </a:r>
+          </a:p>
+          <a:p>
+            <a:pPr marL="285750" indent="-285750" algn="just">
+              <a:buFont typeface="Arial"/>
+              <a:buChar char="•"/>
+            </a:pPr>
+            <a:r>
+              <a:rPr lang="en-US" dirty="0">
+                <a:cs typeface="Arial"/>
+              </a:rPr>
+              <a:t>Date parser: </a:t>
+            </a:r>
+            <a:r>
+              <a:rPr lang="en-US" dirty="0">
+                <a:ea typeface="+mn-lt"/>
+                <a:cs typeface="+mn-lt"/>
+                <a:hlinkClick r:id="rId4"/>
+              </a:rPr>
+              <a:t>ishirav/date-detector: A Python module for scanning text and extracting dates from it, regardless of language or date format (github.com)</a:t>
+            </a:r>
+            <a:endParaRPr lang="en-US" dirty="0">
+              <a:ea typeface="+mn-lt"/>
+              <a:cs typeface="+mn-lt"/>
+            </a:endParaRPr>
           </a:p>
         </p:txBody>
       </p:sp>
-      <p:sp>
-        <p:nvSpPr>
-          <p:cNvPr id="13" name="TextBox 12">
-            <a:extLst>
-              <a:ext uri="{FF2B5EF4-FFF2-40B4-BE49-F238E27FC236}">
-                <a16:creationId xmlns:a16="http://schemas.microsoft.com/office/drawing/2014/main" id="{1687738B-7837-4B17-AB99-621D8CE7E29D}"/>
-              </a:ext>
-            </a:extLst>
-          </p:cNvPr>
-          <p:cNvSpPr txBox="1"/>
-          <p:nvPr/>
-        </p:nvSpPr>
-        <p:spPr>
-          <a:xfrm>
-            <a:off x="5306182" y="6225212"/>
-            <a:ext cx="1366571" cy="341632"/>
-          </a:xfrm>
-          <a:prstGeom prst="rect">
-            <a:avLst/>
-          </a:prstGeom>
-          <a:noFill/>
-        </p:spPr>
-        <p:txBody>
-          <a:bodyPr wrap="square">
-            <a:spAutoFit/>
-          </a:bodyPr>
-          <a:lstStyle/>
-          <a:p>
-            <a:pPr>
-              <a:lnSpc>
-                <a:spcPct val="90000"/>
-              </a:lnSpc>
-              <a:spcBef>
-                <a:spcPts val="1000"/>
-              </a:spcBef>
-              <a:spcAft>
-                <a:spcPts val="1200"/>
-              </a:spcAft>
-            </a:pPr>
-            <a:r>
-              <a:rPr lang="en-CA" i="1">
-                <a:solidFill>
-                  <a:srgbClr val="515068"/>
-                </a:solidFill>
-                <a:latin typeface="+mj-lt"/>
-                <a:cs typeface="Times New Roman" panose="02020603050405020304" pitchFamily="18" charset="0"/>
-              </a:rPr>
-              <a:t>Flowchart.4</a:t>
-            </a:r>
-          </a:p>
-        </p:txBody>
-      </p:sp>
-      <p:pic>
-        <p:nvPicPr>
-          <p:cNvPr id="5" name="Picture 4">
-            <a:extLst>
-              <a:ext uri="{FF2B5EF4-FFF2-40B4-BE49-F238E27FC236}">
-                <a16:creationId xmlns:a16="http://schemas.microsoft.com/office/drawing/2014/main" id="{BC100127-A49B-4105-8101-886E4836847C}"/>
-              </a:ext>
-            </a:extLst>
-          </p:cNvPr>
-          <p:cNvPicPr>
-            <a:picLocks noChangeAspect="1"/>
-          </p:cNvPicPr>
-          <p:nvPr/>
-        </p:nvPicPr>
-        <p:blipFill>
-          <a:blip r:embed="rId2"/>
-          <a:stretch>
-            <a:fillRect/>
-          </a:stretch>
-        </p:blipFill>
-        <p:spPr>
-          <a:xfrm>
-            <a:off x="3968318" y="1165662"/>
-            <a:ext cx="4571803" cy="4926512"/>
-          </a:xfrm>
-          <a:prstGeom prst="rect">
-            <a:avLst/>
-          </a:prstGeom>
-        </p:spPr>
-      </p:pic>
     </p:spTree>
     <p:extLst>
       <p:ext uri="{BB962C8B-B14F-4D97-AF65-F5344CB8AC3E}">
-        <p14:creationId xmlns:p14="http://schemas.microsoft.com/office/powerpoint/2010/main" val="276288139"/>
+        <p14:creationId xmlns:p14="http://schemas.microsoft.com/office/powerpoint/2010/main" val="3471695487"/>
       </p:ext>
     </p:extLst>
   </p:cSld>
   <p:clrMapOvr>
     <a:masterClrMapping/>
   </p:clrMapOvr>
+  <p:extLst>
+    <p:ext uri="{6950BFC3-D8DA-4A85-94F7-54DA5524770B}">
+      <p188:commentRel xmlns:p188="http://schemas.microsoft.com/office/powerpoint/2018/8/main" r:id="rId2"/>
+    </p:ext>
+  </p:extLst>
 </p:sld>
 </file>
 
@@ -5999,6 +7251,66 @@
       </p:grpSpPr>
       <p:sp>
         <p:nvSpPr>
+          <p:cNvPr id="4" name="Title 3">
+            <a:extLst>
+              <a:ext uri="{FF2B5EF4-FFF2-40B4-BE49-F238E27FC236}">
+                <a16:creationId xmlns:a16="http://schemas.microsoft.com/office/drawing/2014/main" id="{7E0AB6E5-8565-4ED5-9E53-C71D6968A576}"/>
+              </a:ext>
+            </a:extLst>
+          </p:cNvPr>
+          <p:cNvSpPr>
+            <a:spLocks noGrp="1"/>
+          </p:cNvSpPr>
+          <p:nvPr>
+            <p:ph type="title"/>
+          </p:nvPr>
+        </p:nvSpPr>
+        <p:spPr>
+          <a:xfrm>
+            <a:off x="558342" y="525380"/>
+            <a:ext cx="7520338" cy="507243"/>
+          </a:xfrm>
+        </p:spPr>
+        <p:txBody>
+          <a:bodyPr>
+            <a:normAutofit fontScale="90000"/>
+          </a:bodyPr>
+          <a:lstStyle/>
+          <a:p>
+            <a:r>
+              <a:rPr lang="en-US" sz="2200" dirty="0">
+                <a:latin typeface="Arial"/>
+                <a:cs typeface="Times New Roman"/>
+              </a:rPr>
+              <a:t>PII detection using Presidio analyzer-</a:t>
+            </a:r>
+            <a:r>
+              <a:rPr lang="en-US" sz="2200" dirty="0" err="1">
+                <a:latin typeface="Arial"/>
+                <a:cs typeface="Times New Roman"/>
+              </a:rPr>
+              <a:t>AnalyzerEngine</a:t>
+            </a:r>
+            <a:br>
+              <a:rPr lang="en-US" sz="2200" dirty="0">
+                <a:latin typeface="Arial"/>
+                <a:cs typeface="Times New Roman"/>
+              </a:rPr>
+            </a:br>
+            <a:br>
+              <a:rPr lang="en-US" sz="2200" dirty="0">
+                <a:latin typeface="Arial"/>
+                <a:cs typeface="Times New Roman"/>
+              </a:rPr>
+            </a:br>
+            <a:endParaRPr lang="en-CA">
+              <a:cs typeface="Arial"/>
+            </a:endParaRPr>
+          </a:p>
+        </p:txBody>
+      </p:sp>
+      <p:sp>
+        <p:nvSpPr>
           <p:cNvPr id="6" name="Text Placeholder 5">
             <a:extLst>
               <a:ext uri="{FF2B5EF4-FFF2-40B4-BE49-F238E27FC236}">
@@ -6024,10 +7336,9 @@
           <a:lstStyle/>
           <a:p>
             <a:r>
-              <a:rPr lang="en-US"/>
-              <a:t>Function output</a:t>
-            </a:r>
-            <a:endParaRPr lang="en-CA"/>
+              <a:rPr lang="en-CA"/>
+              <a:t>PII detection function</a:t>
+            </a:r>
           </a:p>
         </p:txBody>
       </p:sp>
@@ -6056,6 +7367,171 @@
               <a:rPr lang="en-CA" smtClean="0"/>
               <a:pPr/>
               <a:t>17</a:t>
+            </a:fld>
+            <a:endParaRPr lang="en-CA"/>
+          </a:p>
+        </p:txBody>
+      </p:sp>
+      <p:sp>
+        <p:nvSpPr>
+          <p:cNvPr id="12" name="TextBox 11">
+            <a:extLst>
+              <a:ext uri="{FF2B5EF4-FFF2-40B4-BE49-F238E27FC236}">
+                <a16:creationId xmlns:a16="http://schemas.microsoft.com/office/drawing/2014/main" id="{BAF116DE-0FDD-4FB7-8FD9-2E3F78499013}"/>
+              </a:ext>
+            </a:extLst>
+          </p:cNvPr>
+          <p:cNvSpPr txBox="1"/>
+          <p:nvPr/>
+        </p:nvSpPr>
+        <p:spPr>
+          <a:xfrm>
+            <a:off x="558342" y="1252978"/>
+            <a:ext cx="3569775" cy="400110"/>
+          </a:xfrm>
+          <a:prstGeom prst="rect">
+            <a:avLst/>
+          </a:prstGeom>
+          <a:noFill/>
+        </p:spPr>
+        <p:txBody>
+          <a:bodyPr wrap="square" lIns="91440" tIns="45720" rIns="91440" bIns="45720" anchor="t">
+            <a:spAutoFit/>
+          </a:bodyPr>
+          <a:lstStyle/>
+          <a:p>
+            <a:r>
+              <a:rPr lang="en-CA" sz="2000" b="1" dirty="0">
+                <a:solidFill>
+                  <a:schemeClr val="accent5"/>
+                </a:solidFill>
+                <a:latin typeface="+mj-lt"/>
+                <a:cs typeface="Arial"/>
+              </a:rPr>
+              <a:t>PII detection flowchart:</a:t>
+            </a:r>
+          </a:p>
+        </p:txBody>
+      </p:sp>
+      <p:pic>
+        <p:nvPicPr>
+          <p:cNvPr id="9" name="Picture 10" descr="Diagram&#10;&#10;Description automatically generated">
+            <a:extLst>
+              <a:ext uri="{FF2B5EF4-FFF2-40B4-BE49-F238E27FC236}">
+                <a16:creationId xmlns:a16="http://schemas.microsoft.com/office/drawing/2014/main" id="{7FA21890-D148-F5AA-28BB-40A81C1EF85D}"/>
+              </a:ext>
+            </a:extLst>
+          </p:cNvPr>
+          <p:cNvPicPr>
+            <a:picLocks noChangeAspect="1"/>
+          </p:cNvPicPr>
+          <p:nvPr/>
+        </p:nvPicPr>
+        <p:blipFill>
+          <a:blip r:embed="rId2"/>
+          <a:stretch>
+            <a:fillRect/>
+          </a:stretch>
+        </p:blipFill>
+        <p:spPr>
+          <a:xfrm>
+            <a:off x="3614928" y="1175357"/>
+            <a:ext cx="5090160" cy="5281478"/>
+          </a:xfrm>
+          <a:prstGeom prst="rect">
+            <a:avLst/>
+          </a:prstGeom>
+        </p:spPr>
+      </p:pic>
+    </p:spTree>
+    <p:extLst>
+      <p:ext uri="{BB962C8B-B14F-4D97-AF65-F5344CB8AC3E}">
+        <p14:creationId xmlns:p14="http://schemas.microsoft.com/office/powerpoint/2010/main" val="276288139"/>
+      </p:ext>
+    </p:extLst>
+  </p:cSld>
+  <p:clrMapOvr>
+    <a:masterClrMapping/>
+  </p:clrMapOvr>
+</p:sld>
+</file>
+
+<file path=ppt/slides/slide18.xml><?xml version="1.0" encoding="utf-8"?>
+<p:sld xmlns:a="http://schemas.openxmlformats.org/drawingml/2006/main" xmlns:r="http://schemas.openxmlformats.org/officeDocument/2006/relationships" xmlns:p="http://schemas.openxmlformats.org/presentationml/2006/main">
+  <p:cSld>
+    <p:spTree>
+      <p:nvGrpSpPr>
+        <p:cNvPr id="1" name=""/>
+        <p:cNvGrpSpPr/>
+        <p:nvPr/>
+      </p:nvGrpSpPr>
+      <p:grpSpPr>
+        <a:xfrm>
+          <a:off x="0" y="0"/>
+          <a:ext cx="0" cy="0"/>
+          <a:chOff x="0" y="0"/>
+          <a:chExt cx="0" cy="0"/>
+        </a:xfrm>
+      </p:grpSpPr>
+      <p:sp>
+        <p:nvSpPr>
+          <p:cNvPr id="6" name="Text Placeholder 5">
+            <a:extLst>
+              <a:ext uri="{FF2B5EF4-FFF2-40B4-BE49-F238E27FC236}">
+                <a16:creationId xmlns:a16="http://schemas.microsoft.com/office/drawing/2014/main" id="{13197714-23C7-4441-933D-E175185D6439}"/>
+              </a:ext>
+            </a:extLst>
+          </p:cNvPr>
+          <p:cNvSpPr>
+            <a:spLocks noGrp="1"/>
+          </p:cNvSpPr>
+          <p:nvPr>
+            <p:ph type="body" sz="quarter" idx="13"/>
+          </p:nvPr>
+        </p:nvSpPr>
+        <p:spPr>
+          <a:xfrm>
+            <a:off x="7368466" y="512763"/>
+            <a:ext cx="4283534" cy="519861"/>
+          </a:xfrm>
+        </p:spPr>
+        <p:txBody>
+          <a:bodyPr/>
+          <a:lstStyle/>
+          <a:p>
+            <a:r>
+              <a:rPr lang="en-US"/>
+              <a:t>Function output</a:t>
+            </a:r>
+            <a:endParaRPr lang="en-CA"/>
+          </a:p>
+        </p:txBody>
+      </p:sp>
+      <p:sp>
+        <p:nvSpPr>
+          <p:cNvPr id="10" name="Slide Number Placeholder 9">
+            <a:extLst>
+              <a:ext uri="{FF2B5EF4-FFF2-40B4-BE49-F238E27FC236}">
+                <a16:creationId xmlns:a16="http://schemas.microsoft.com/office/drawing/2014/main" id="{7375B61D-205F-4260-B56C-BA154C8DAB37}"/>
+              </a:ext>
+            </a:extLst>
+          </p:cNvPr>
+          <p:cNvSpPr>
+            <a:spLocks noGrp="1"/>
+          </p:cNvSpPr>
+          <p:nvPr>
+            <p:ph type="sldNum" sz="quarter" idx="4"/>
+          </p:nvPr>
+        </p:nvSpPr>
+        <p:spPr/>
+        <p:txBody>
+          <a:bodyPr/>
+          <a:lstStyle/>
+          <a:p>
+            <a:fld id="{901A5C5A-0510-4C91-884B-493304B904E2}" type="slidenum">
+              <a:rPr lang="en-CA" smtClean="0"/>
+              <a:pPr/>
+              <a:t>18</a:t>
             </a:fld>
             <a:endParaRPr lang="en-CA"/>
           </a:p>
@@ -6232,7 +7708,7 @@
 </p:sld>
 </file>
 
-<file path=ppt/slides/slide18.xml><?xml version="1.0" encoding="utf-8"?>
+<file path=ppt/slides/slide19.xml><?xml version="1.0" encoding="utf-8"?>
 <p:sld xmlns:a="http://schemas.openxmlformats.org/drawingml/2006/main" xmlns:r="http://schemas.openxmlformats.org/officeDocument/2006/relationships" xmlns:p="http://schemas.openxmlformats.org/presentationml/2006/main">
   <p:cSld>
     <p:spTree>
@@ -6307,7 +7783,7 @@
             <a:fld id="{901A5C5A-0510-4C91-884B-493304B904E2}" type="slidenum">
               <a:rPr lang="en-CA" smtClean="0"/>
               <a:pPr/>
-              <a:t>18</a:t>
+              <a:t>19</a:t>
             </a:fld>
             <a:endParaRPr lang="en-CA"/>
           </a:p>
@@ -6529,77 +8005,6 @@
 </p:sld>
 </file>
 
-<file path=ppt/slides/slide19.xml><?xml version="1.0" encoding="utf-8"?>
-<p:sld xmlns:a="http://schemas.openxmlformats.org/drawingml/2006/main" xmlns:r="http://schemas.openxmlformats.org/officeDocument/2006/relationships" xmlns:p="http://schemas.openxmlformats.org/presentationml/2006/main">
-  <p:cSld>
-    <p:spTree>
-      <p:nvGrpSpPr>
-        <p:cNvPr id="1" name=""/>
-        <p:cNvGrpSpPr/>
-        <p:nvPr/>
-      </p:nvGrpSpPr>
-      <p:grpSpPr>
-        <a:xfrm>
-          <a:off x="0" y="0"/>
-          <a:ext cx="0" cy="0"/>
-          <a:chOff x="0" y="0"/>
-          <a:chExt cx="0" cy="0"/>
-        </a:xfrm>
-      </p:grpSpPr>
-      <p:sp>
-        <p:nvSpPr>
-          <p:cNvPr id="2" name="Title 1">
-            <a:extLst>
-              <a:ext uri="{FF2B5EF4-FFF2-40B4-BE49-F238E27FC236}">
-                <a16:creationId xmlns:a16="http://schemas.microsoft.com/office/drawing/2014/main" id="{900378EB-1290-4623-B240-0B95ACD7F5BC}"/>
-              </a:ext>
-            </a:extLst>
-          </p:cNvPr>
-          <p:cNvSpPr>
-            <a:spLocks noGrp="1"/>
-          </p:cNvSpPr>
-          <p:nvPr>
-            <p:ph type="ctrTitle"/>
-          </p:nvPr>
-        </p:nvSpPr>
-        <p:spPr>
-          <a:xfrm>
-            <a:off x="556856" y="2119621"/>
-            <a:ext cx="5539144" cy="1452837"/>
-          </a:xfrm>
-        </p:spPr>
-        <p:txBody>
-          <a:bodyPr>
-            <a:normAutofit/>
-          </a:bodyPr>
-          <a:lstStyle/>
-          <a:p>
-            <a:r>
-              <a:rPr lang="en-US" sz="4000"/>
-              <a:t>Thank you</a:t>
-            </a:r>
-            <a:endParaRPr lang="en-CA" sz="4000"/>
-          </a:p>
-        </p:txBody>
-      </p:sp>
-    </p:spTree>
-    <p:extLst>
-      <p:ext uri="{BB962C8B-B14F-4D97-AF65-F5344CB8AC3E}">
-        <p14:creationId xmlns:p14="http://schemas.microsoft.com/office/powerpoint/2010/main" val="2303596287"/>
-      </p:ext>
-    </p:extLst>
-  </p:cSld>
-  <p:clrMapOvr>
-    <a:masterClrMapping/>
-  </p:clrMapOvr>
-  <p:extLst>
-    <p:ext uri="{6950BFC3-D8DA-4A85-94F7-54DA5524770B}">
-      <p188:commentRel xmlns:p188="http://schemas.microsoft.com/office/powerpoint/2018/8/main" r:id="rId2"/>
-    </p:ext>
-  </p:extLst>
-</p:sld>
-</file>
-
 <file path=ppt/slides/slide2.xml><?xml version="1.0" encoding="utf-8"?>
 <p:sld xmlns:a="http://schemas.openxmlformats.org/drawingml/2006/main" xmlns:r="http://schemas.openxmlformats.org/officeDocument/2006/relationships" xmlns:p="http://schemas.openxmlformats.org/presentationml/2006/main">
   <p:cSld>
@@ -7017,6 +8422,77 @@
     <p:extLst>
       <p:ext uri="{BB962C8B-B14F-4D97-AF65-F5344CB8AC3E}">
         <p14:creationId xmlns:p14="http://schemas.microsoft.com/office/powerpoint/2010/main" val="465161686"/>
+      </p:ext>
+    </p:extLst>
+  </p:cSld>
+  <p:clrMapOvr>
+    <a:masterClrMapping/>
+  </p:clrMapOvr>
+  <p:extLst>
+    <p:ext uri="{6950BFC3-D8DA-4A85-94F7-54DA5524770B}">
+      <p188:commentRel xmlns:p188="http://schemas.microsoft.com/office/powerpoint/2018/8/main" r:id="rId2"/>
+    </p:ext>
+  </p:extLst>
+</p:sld>
+</file>
+
+<file path=ppt/slides/slide20.xml><?xml version="1.0" encoding="utf-8"?>
+<p:sld xmlns:a="http://schemas.openxmlformats.org/drawingml/2006/main" xmlns:r="http://schemas.openxmlformats.org/officeDocument/2006/relationships" xmlns:p="http://schemas.openxmlformats.org/presentationml/2006/main">
+  <p:cSld>
+    <p:spTree>
+      <p:nvGrpSpPr>
+        <p:cNvPr id="1" name=""/>
+        <p:cNvGrpSpPr/>
+        <p:nvPr/>
+      </p:nvGrpSpPr>
+      <p:grpSpPr>
+        <a:xfrm>
+          <a:off x="0" y="0"/>
+          <a:ext cx="0" cy="0"/>
+          <a:chOff x="0" y="0"/>
+          <a:chExt cx="0" cy="0"/>
+        </a:xfrm>
+      </p:grpSpPr>
+      <p:sp>
+        <p:nvSpPr>
+          <p:cNvPr id="2" name="Title 1">
+            <a:extLst>
+              <a:ext uri="{FF2B5EF4-FFF2-40B4-BE49-F238E27FC236}">
+                <a16:creationId xmlns:a16="http://schemas.microsoft.com/office/drawing/2014/main" id="{900378EB-1290-4623-B240-0B95ACD7F5BC}"/>
+              </a:ext>
+            </a:extLst>
+          </p:cNvPr>
+          <p:cNvSpPr>
+            <a:spLocks noGrp="1"/>
+          </p:cNvSpPr>
+          <p:nvPr>
+            <p:ph type="ctrTitle"/>
+          </p:nvPr>
+        </p:nvSpPr>
+        <p:spPr>
+          <a:xfrm>
+            <a:off x="556856" y="2119621"/>
+            <a:ext cx="5539144" cy="1452837"/>
+          </a:xfrm>
+        </p:spPr>
+        <p:txBody>
+          <a:bodyPr>
+            <a:normAutofit/>
+          </a:bodyPr>
+          <a:lstStyle/>
+          <a:p>
+            <a:r>
+              <a:rPr lang="en-US" sz="4000"/>
+              <a:t>Thank you</a:t>
+            </a:r>
+            <a:endParaRPr lang="en-CA" sz="4000"/>
+          </a:p>
+        </p:txBody>
+      </p:sp>
+    </p:spTree>
+    <p:extLst>
+      <p:ext uri="{BB962C8B-B14F-4D97-AF65-F5344CB8AC3E}">
+        <p14:creationId xmlns:p14="http://schemas.microsoft.com/office/powerpoint/2010/main" val="2303596287"/>
       </p:ext>
     </p:extLst>
   </p:cSld>
@@ -7512,7 +8988,7 @@
         <p:spPr>
           <a:xfrm>
             <a:off x="551836" y="1215513"/>
-            <a:ext cx="11069893" cy="4524315"/>
+            <a:ext cx="11069893" cy="4801314"/>
           </a:xfrm>
           <a:prstGeom prst="rect">
             <a:avLst/>
@@ -7555,151 +9031,74 @@
             </a:r>
           </a:p>
           <a:p>
-            <a:endParaRPr lang="en-CA" dirty="0">
+            <a:endParaRPr lang="en-US" b="1" dirty="0">
               <a:cs typeface="Segoe UI"/>
             </a:endParaRPr>
           </a:p>
           <a:p>
             <a:r>
-              <a:rPr lang="en-CA" b="1" dirty="0">
+              <a:rPr lang="en-US" b="1" dirty="0">
                 <a:cs typeface="Segoe UI"/>
               </a:rPr>
-              <a:t>Sample data:  </a:t>
-            </a:r>
-            <a:r>
-              <a:rPr lang="en-US" dirty="0">
-                <a:cs typeface="Segoe UI"/>
-              </a:rPr>
-              <a:t>​</a:t>
-            </a:r>
-          </a:p>
-          <a:p>
-            <a:pPr marL="342900" indent="-342900" algn="just">
-              <a:buAutoNum type="arabicPeriod"/>
+              <a:t>Sample data:</a:t>
+            </a:r>
+            <a:endParaRPr lang="en-US" dirty="0"/>
+          </a:p>
+          <a:p>
+            <a:pPr>
+              <a:buChar char="•"/>
             </a:pPr>
-            <a:r>
-              <a:rPr lang="en-CA" dirty="0">
-                <a:cs typeface="Arial"/>
-              </a:rPr>
-              <a:t>The_Apollo_11_Conspiracy.docx (Size 14.5kb) ​</a:t>
-            </a:r>
-          </a:p>
-          <a:p>
-            <a:pPr marL="342900" indent="-342900" algn="just">
-              <a:buAutoNum type="arabicPeriod"/>
-            </a:pPr>
-            <a:r>
-              <a:rPr lang="en-CA" dirty="0">
-                <a:cs typeface="Arial"/>
-              </a:rPr>
-              <a:t>James_Webb_Space_Telescope.html (100 kb/ 9200 words approx.)​</a:t>
-            </a:r>
-          </a:p>
-          <a:p>
-            <a:pPr algn="just">
-              <a:buAutoNum type="arabicPeriod"/>
-            </a:pPr>
-            <a:endParaRPr lang="en-CA" dirty="0">
+            <a:endParaRPr lang="en-US" dirty="0">
               <a:cs typeface="Arial"/>
             </a:endParaRPr>
           </a:p>
           <a:p>
-            <a:r>
-              <a:rPr lang="en-CA" b="1" dirty="0">
-                <a:cs typeface="Segoe UI"/>
-              </a:rPr>
-              <a:t>Execution time: </a:t>
-            </a:r>
-            <a:r>
-              <a:rPr lang="en-CA" dirty="0">
-                <a:cs typeface="Segoe UI"/>
-              </a:rPr>
-              <a:t>​</a:t>
-            </a:r>
-          </a:p>
-          <a:p>
-            <a:pPr marL="285750" indent="-285750">
-              <a:buFont typeface="Arial"/>
+            <a:pPr>
               <a:buChar char="•"/>
             </a:pPr>
-            <a:r>
-              <a:rPr lang="en-CA" dirty="0">
-                <a:cs typeface="Arial"/>
-              </a:rPr>
-              <a:t>Sentiment analysis for </a:t>
-            </a:r>
-            <a:r>
-              <a:rPr lang="en-CA" u="sng" dirty="0">
-                <a:cs typeface="Arial"/>
-              </a:rPr>
-              <a:t>The_Apollo_11_Conspiracy.docx completed</a:t>
-            </a:r>
-            <a:r>
-              <a:rPr lang="en-CA" dirty="0">
-                <a:cs typeface="Arial"/>
-              </a:rPr>
-              <a:t> in: </a:t>
-            </a:r>
-            <a:r>
-              <a:rPr lang="en-CA" dirty="0">
-                <a:highlight>
-                  <a:srgbClr val="FFFF00"/>
-                </a:highlight>
-                <a:cs typeface="Arial"/>
-              </a:rPr>
-              <a:t>0.32 seconds</a:t>
-            </a:r>
-            <a:r>
-              <a:rPr lang="en-US" dirty="0">
-                <a:highlight>
-                  <a:srgbClr val="FFFF00"/>
-                </a:highlight>
-                <a:cs typeface="Arial"/>
-              </a:rPr>
-              <a:t>​</a:t>
-            </a:r>
-          </a:p>
-          <a:p>
-            <a:pPr marL="285750" indent="-285750">
-              <a:buFont typeface="Arial"/>
+            <a:endParaRPr lang="en-US" dirty="0">
+              <a:cs typeface="Arial"/>
+            </a:endParaRPr>
+          </a:p>
+          <a:p>
+            <a:pPr>
               <a:buChar char="•"/>
             </a:pPr>
-            <a:r>
-              <a:rPr lang="en-CA" dirty="0">
-                <a:cs typeface="Arial"/>
-              </a:rPr>
-              <a:t>Sentiment analysis for </a:t>
-            </a:r>
-            <a:r>
-              <a:rPr lang="en-CA" u="sng" dirty="0">
-                <a:cs typeface="Arial"/>
-              </a:rPr>
-              <a:t>James_Webb_Space_Telescope.html</a:t>
-            </a:r>
-            <a:r>
-              <a:rPr lang="en-CA" dirty="0">
-                <a:cs typeface="Arial"/>
-              </a:rPr>
-              <a:t> completed in: </a:t>
-            </a:r>
-            <a:r>
-              <a:rPr lang="en-CA" dirty="0">
-                <a:highlight>
-                  <a:srgbClr val="FFFF00"/>
-                </a:highlight>
-                <a:cs typeface="Arial"/>
-              </a:rPr>
-              <a:t>2.49 seconds</a:t>
-            </a:r>
-            <a:r>
-              <a:rPr lang="en-US" dirty="0">
-                <a:highlight>
-                  <a:srgbClr val="FFFF00"/>
-                </a:highlight>
-                <a:cs typeface="Arial"/>
-              </a:rPr>
-              <a:t>​</a:t>
-            </a:r>
+            <a:endParaRPr lang="en-US" dirty="0">
+              <a:cs typeface="Arial"/>
+            </a:endParaRPr>
+          </a:p>
+          <a:p>
+            <a:pPr>
+              <a:buChar char="•"/>
+            </a:pPr>
+            <a:endParaRPr lang="en-US" dirty="0">
+              <a:cs typeface="Arial"/>
+            </a:endParaRPr>
+          </a:p>
+          <a:p>
+            <a:pPr>
+              <a:buChar char="•"/>
+            </a:pPr>
+            <a:endParaRPr lang="en-US" dirty="0">
+              <a:cs typeface="Arial"/>
+            </a:endParaRPr>
+          </a:p>
+          <a:p>
+            <a:pPr>
+              <a:buChar char="•"/>
+            </a:pPr>
+            <a:endParaRPr lang="en-US" dirty="0">
+              <a:cs typeface="Arial"/>
+            </a:endParaRPr>
+          </a:p>
+          <a:p>
+            <a:pPr>
+              <a:buChar char="•"/>
+            </a:pPr>
+            <a:endParaRPr lang="en-US" dirty="0">
+              <a:cs typeface="Arial"/>
+            </a:endParaRPr>
           </a:p>
           <a:p>
             <a:pPr>
@@ -7813,6 +9212,257 @@
           </a:p>
         </p:txBody>
       </p:sp>
+      <p:graphicFrame>
+        <p:nvGraphicFramePr>
+          <p:cNvPr id="2" name="Table 2">
+            <a:extLst>
+              <a:ext uri="{FF2B5EF4-FFF2-40B4-BE49-F238E27FC236}">
+                <a16:creationId xmlns:a16="http://schemas.microsoft.com/office/drawing/2014/main" id="{69246DA7-1A70-1407-AEAF-FA3446F30134}"/>
+              </a:ext>
+            </a:extLst>
+          </p:cNvPr>
+          <p:cNvGraphicFramePr>
+            <a:graphicFrameLocks noGrp="1"/>
+          </p:cNvGraphicFramePr>
+          <p:nvPr>
+            <p:extLst>
+              <p:ext uri="{D42A27DB-BD31-4B8C-83A1-F6EECF244321}">
+                <p14:modId xmlns:p14="http://schemas.microsoft.com/office/powerpoint/2010/main" val="2971718842"/>
+              </p:ext>
+            </p:extLst>
+          </p:nvPr>
+        </p:nvGraphicFramePr>
+        <p:xfrm>
+          <a:off x="1744478" y="2372836"/>
+          <a:ext cx="8658714" cy="1358816"/>
+        </p:xfrm>
+        <a:graphic>
+          <a:graphicData uri="http://schemas.openxmlformats.org/drawingml/2006/table">
+            <a:tbl>
+              <a:tblPr firstRow="1" bandRow="1">
+                <a:tableStyleId>{5940675A-B579-460E-94D1-54222C63F5DA}</a:tableStyleId>
+              </a:tblPr>
+              <a:tblGrid>
+                <a:gridCol w="4479203">
+                  <a:extLst>
+                    <a:ext uri="{9D8B030D-6E8A-4147-A177-3AD203B41FA5}">
+                      <a16:colId xmlns:a16="http://schemas.microsoft.com/office/drawing/2014/main" val="156838468"/>
+                    </a:ext>
+                  </a:extLst>
+                </a:gridCol>
+                <a:gridCol w="2428236">
+                  <a:extLst>
+                    <a:ext uri="{9D8B030D-6E8A-4147-A177-3AD203B41FA5}">
+                      <a16:colId xmlns:a16="http://schemas.microsoft.com/office/drawing/2014/main" val="3278982087"/>
+                    </a:ext>
+                  </a:extLst>
+                </a:gridCol>
+                <a:gridCol w="1751275">
+                  <a:extLst>
+                    <a:ext uri="{9D8B030D-6E8A-4147-A177-3AD203B41FA5}">
+                      <a16:colId xmlns:a16="http://schemas.microsoft.com/office/drawing/2014/main" val="3934974675"/>
+                    </a:ext>
+                  </a:extLst>
+                </a:gridCol>
+              </a:tblGrid>
+              <a:tr h="435846">
+                <a:tc>
+                  <a:txBody>
+                    <a:bodyPr/>
+                    <a:lstStyle/>
+                    <a:p>
+                      <a:r>
+                        <a:rPr lang="en-US" dirty="0"/>
+                        <a:t>File name</a:t>
+                      </a:r>
+                    </a:p>
+                  </a:txBody>
+                  <a:tcPr/>
+                </a:tc>
+                <a:tc>
+                  <a:txBody>
+                    <a:bodyPr/>
+                    <a:lstStyle/>
+                    <a:p>
+                      <a:r>
+                        <a:rPr lang="en-US" dirty="0"/>
+                        <a:t>File size</a:t>
+                      </a:r>
+                    </a:p>
+                  </a:txBody>
+                  <a:tcPr/>
+                </a:tc>
+                <a:tc>
+                  <a:txBody>
+                    <a:bodyPr/>
+                    <a:lstStyle/>
+                    <a:p>
+                      <a:r>
+                        <a:rPr lang="en-US" dirty="0"/>
+                        <a:t>Execution time</a:t>
+                      </a:r>
+                    </a:p>
+                  </a:txBody>
+                  <a:tcPr/>
+                </a:tc>
+                <a:extLst>
+                  <a:ext uri="{0D108BD9-81ED-4DB2-BD59-A6C34878D82A}">
+                    <a16:rowId xmlns:a16="http://schemas.microsoft.com/office/drawing/2014/main" val="2238375445"/>
+                  </a:ext>
+                </a:extLst>
+              </a:tr>
+              <a:tr h="461485">
+                <a:tc>
+                  <a:txBody>
+                    <a:bodyPr/>
+                    <a:lstStyle/>
+                    <a:p>
+                      <a:pPr lvl="0">
+                        <a:buNone/>
+                      </a:pPr>
+                      <a:r>
+                        <a:rPr lang="en-CA" sz="1800" b="0" i="0" u="none" strike="noStrike" noProof="0" dirty="0">
+                          <a:latin typeface="Arial"/>
+                        </a:rPr>
+                        <a:t>The_Apollo_11_Conspiracy.docx</a:t>
+                      </a:r>
+                      <a:endParaRPr lang="en-US" dirty="0"/>
+                    </a:p>
+                  </a:txBody>
+                  <a:tcPr/>
+                </a:tc>
+                <a:tc>
+                  <a:txBody>
+                    <a:bodyPr/>
+                    <a:lstStyle/>
+                    <a:p>
+                      <a:pPr lvl="0">
+                        <a:buNone/>
+                      </a:pPr>
+                      <a:r>
+                        <a:rPr lang="en-CA" sz="1800" b="0" i="0" u="none" strike="noStrike" noProof="0" dirty="0">
+                          <a:latin typeface="Arial"/>
+                        </a:rPr>
+                        <a:t>14.5 kb | </a:t>
+                      </a:r>
+                      <a:r>
+                        <a:rPr lang="en-CA" sz="1800" b="0" i="0" u="none" strike="noStrike" noProof="0" dirty="0"/>
+                        <a:t>441 </a:t>
+                      </a:r>
+                      <a:r>
+                        <a:rPr lang="en-CA" sz="1800" b="0" i="0" u="none" strike="noStrike" noProof="0" dirty="0">
+                          <a:latin typeface="Arial"/>
+                        </a:rPr>
+                        <a:t>words</a:t>
+                      </a:r>
+                      <a:endParaRPr lang="en-US" dirty="0"/>
+                    </a:p>
+                  </a:txBody>
+                  <a:tcPr/>
+                </a:tc>
+                <a:tc>
+                  <a:txBody>
+                    <a:bodyPr/>
+                    <a:lstStyle/>
+                    <a:p>
+                      <a:pPr lvl="0">
+                        <a:buNone/>
+                      </a:pPr>
+                      <a:r>
+                        <a:rPr lang="en-US" sz="1800" b="0" i="0" u="none" strike="noStrike" noProof="0" dirty="0">
+                          <a:solidFill>
+                            <a:srgbClr val="2A283C"/>
+                          </a:solidFill>
+                          <a:latin typeface="Arial"/>
+                        </a:rPr>
+                        <a:t>0.32 seconds </a:t>
+                      </a:r>
+                      <a:endParaRPr lang="en-US" dirty="0"/>
+                    </a:p>
+                  </a:txBody>
+                  <a:tcPr/>
+                </a:tc>
+                <a:extLst>
+                  <a:ext uri="{0D108BD9-81ED-4DB2-BD59-A6C34878D82A}">
+                    <a16:rowId xmlns:a16="http://schemas.microsoft.com/office/drawing/2014/main" val="2112516585"/>
+                  </a:ext>
+                </a:extLst>
+              </a:tr>
+              <a:tr h="461485">
+                <a:tc>
+                  <a:txBody>
+                    <a:bodyPr/>
+                    <a:lstStyle/>
+                    <a:p>
+                      <a:pPr lvl="0">
+                        <a:buNone/>
+                      </a:pPr>
+                      <a:r>
+                        <a:rPr lang="en-CA" sz="1800" b="0" i="0" u="none" strike="noStrike" noProof="0" dirty="0">
+                          <a:latin typeface="Arial"/>
+                        </a:rPr>
+                        <a:t>James_Webb_Space_Telescope.html</a:t>
+                      </a:r>
+                      <a:endParaRPr lang="en-US" dirty="0"/>
+                    </a:p>
+                  </a:txBody>
+                  <a:tcPr/>
+                </a:tc>
+                <a:tc>
+                  <a:txBody>
+                    <a:bodyPr/>
+                    <a:lstStyle/>
+                    <a:p>
+                      <a:pPr lvl="0">
+                        <a:buNone/>
+                      </a:pPr>
+                      <a:r>
+                        <a:rPr lang="en-CA" sz="1800" b="0" i="0" u="none" strike="noStrike" noProof="0" dirty="0">
+                          <a:latin typeface="Arial"/>
+                        </a:rPr>
+                        <a:t>100 kb | </a:t>
+                      </a:r>
+                      <a:r>
+                        <a:rPr lang="en-CA" sz="1800" b="0" i="0" u="none" strike="noStrike" noProof="0" dirty="0"/>
+                        <a:t>6328 words</a:t>
+                      </a:r>
+                      <a:endParaRPr lang="en-US" dirty="0"/>
+                    </a:p>
+                  </a:txBody>
+                  <a:tcPr/>
+                </a:tc>
+                <a:tc>
+                  <a:txBody>
+                    <a:bodyPr/>
+                    <a:lstStyle/>
+                    <a:p>
+                      <a:pPr lvl="0">
+                        <a:buNone/>
+                      </a:pPr>
+                      <a:r>
+                        <a:rPr lang="en-US" sz="1800" b="0" i="0" u="none" strike="noStrike" noProof="0" dirty="0">
+                          <a:solidFill>
+                            <a:srgbClr val="2A283C"/>
+                          </a:solidFill>
+                          <a:latin typeface="Arial"/>
+                        </a:rPr>
+                        <a:t>2.49 seconds</a:t>
+                      </a:r>
+                      <a:endParaRPr lang="en-US" dirty="0"/>
+                    </a:p>
+                  </a:txBody>
+                  <a:tcPr/>
+                </a:tc>
+                <a:extLst>
+                  <a:ext uri="{0D108BD9-81ED-4DB2-BD59-A6C34878D82A}">
+                    <a16:rowId xmlns:a16="http://schemas.microsoft.com/office/drawing/2014/main" val="2941384899"/>
+                  </a:ext>
+                </a:extLst>
+              </a:tr>
+            </a:tbl>
+          </a:graphicData>
+        </a:graphic>
+      </p:graphicFrame>
     </p:spTree>
     <p:extLst>
       <p:ext uri="{BB962C8B-B14F-4D97-AF65-F5344CB8AC3E}">
@@ -8030,8 +9680,8 @@
         </p:blipFill>
         <p:spPr>
           <a:xfrm>
-            <a:off x="3624417" y="1568639"/>
-            <a:ext cx="4949310" cy="4832996"/>
+            <a:off x="3624417" y="1562126"/>
+            <a:ext cx="4812541" cy="4696227"/>
           </a:xfrm>
           <a:prstGeom prst="rect">
             <a:avLst/>
@@ -8223,8 +9873,42 @@
                 <a:latin typeface="+mj-lt"/>
                 <a:cs typeface="Arial"/>
               </a:rPr>
-              <a:t>Plots: Distilbert-base-uncased-finetuned-sst-2-english</a:t>
-            </a:r>
+              <a:t>Plots: </a:t>
+            </a:r>
+            <a:r>
+              <a:rPr lang="en-CA" sz="2000" b="0" dirty="0">
+                <a:solidFill>
+                  <a:srgbClr val="0070C0"/>
+                </a:solidFill>
+                <a:ea typeface="+mn-lt"/>
+                <a:cs typeface="+mn-lt"/>
+                <a:hlinkClick r:id="rId2"/>
+              </a:rPr>
+              <a:t>distilbert-base-uncased-finetuned-sst-2-english · Hugging Face</a:t>
+            </a:r>
+            <a:r>
+              <a:rPr lang="en-CA" sz="2000" b="0" dirty="0">
+                <a:ea typeface="+mn-lt"/>
+                <a:cs typeface="+mn-lt"/>
+              </a:rPr>
+              <a:t> </a:t>
+            </a:r>
+            <a:endParaRPr lang="en-CA" sz="2000" b="0">
+              <a:ea typeface="+mn-lt"/>
+              <a:cs typeface="+mn-lt"/>
+            </a:endParaRPr>
+          </a:p>
+          <a:p>
+            <a:pPr marL="0" indent="0">
+              <a:buNone/>
+            </a:pPr>
+            <a:endParaRPr lang="en-CA" sz="2000" dirty="0">
+              <a:solidFill>
+                <a:schemeClr val="accent5"/>
+              </a:solidFill>
+              <a:latin typeface="+mj-lt"/>
+              <a:cs typeface="Arial"/>
+            </a:endParaRPr>
           </a:p>
           <a:p>
             <a:pPr marL="0" indent="0">
@@ -8249,7 +9933,7 @@
           <p:nvPr/>
         </p:nvPicPr>
         <p:blipFill>
-          <a:blip r:embed="rId2"/>
+          <a:blip r:embed="rId3"/>
           <a:stretch>
             <a:fillRect/>
           </a:stretch>
@@ -8279,7 +9963,7 @@
           <p:nvPr/>
         </p:nvPicPr>
         <p:blipFill>
-          <a:blip r:embed="rId3"/>
+          <a:blip r:embed="rId4"/>
           <a:stretch>
             <a:fillRect/>
           </a:stretch>
@@ -8474,19 +10158,36 @@
                 <a:latin typeface="+mj-lt"/>
                 <a:cs typeface="Arial"/>
               </a:rPr>
-              <a:t>Data frame: Distilbert-base-uncased-finetuned-sst-2-english </a:t>
-            </a:r>
-            <a:r>
-              <a:rPr lang="en-CA" sz="2400" dirty="0">
+              <a:t>Data frame: </a:t>
+            </a:r>
+            <a:r>
+              <a:rPr lang="en-CA" sz="2000" b="0" dirty="0">
                 <a:solidFill>
-                  <a:schemeClr val="accent5"/>
+                  <a:srgbClr val="0070C0"/>
                 </a:solidFill>
-                <a:latin typeface="+mj-lt"/>
-                <a:cs typeface="Arial"/>
+                <a:ea typeface="+mn-lt"/>
+                <a:cs typeface="+mn-lt"/>
+                <a:hlinkClick r:id="rId3"/>
+              </a:rPr>
+              <a:t>distilbert-base-uncased-finetuned-sst-2-english · Hugging Face</a:t>
+            </a:r>
+            <a:r>
+              <a:rPr lang="en-CA" sz="2000" b="0" dirty="0">
+                <a:ea typeface="+mn-lt"/>
+                <a:cs typeface="+mn-lt"/>
               </a:rPr>
               <a:t> </a:t>
             </a:r>
-            <a:endParaRPr lang="en-CA" sz="2400">
+            <a:endParaRPr lang="en-CA" sz="2000" b="0">
+              <a:ea typeface="+mn-lt"/>
+              <a:cs typeface="+mn-lt"/>
+            </a:endParaRPr>
+          </a:p>
+          <a:p>
+            <a:pPr marL="0" indent="0">
+              <a:buNone/>
+            </a:pPr>
+            <a:endParaRPr lang="en-CA" sz="2000" dirty="0">
               <a:solidFill>
                 <a:schemeClr val="accent5"/>
               </a:solidFill>
@@ -8511,14 +10212,14 @@
           <p:nvPr/>
         </p:nvPicPr>
         <p:blipFill>
-          <a:blip r:embed="rId3"/>
+          <a:blip r:embed="rId4"/>
           <a:stretch>
             <a:fillRect/>
           </a:stretch>
         </p:blipFill>
         <p:spPr>
           <a:xfrm>
-            <a:off x="1738185" y="1615598"/>
+            <a:off x="1738185" y="1687239"/>
             <a:ext cx="8715629" cy="4429990"/>
           </a:xfrm>
           <a:prstGeom prst="rect">
@@ -8692,13 +10393,13 @@
           <p:nvPr>
             <p:extLst>
               <p:ext uri="{D42A27DB-BD31-4B8C-83A1-F6EECF244321}">
-                <p14:modId xmlns:p14="http://schemas.microsoft.com/office/powerpoint/2010/main" val="2403711977"/>
+                <p14:modId xmlns:p14="http://schemas.microsoft.com/office/powerpoint/2010/main" val="2899770638"/>
               </p:ext>
             </p:extLst>
           </p:nvPr>
         </p:nvGraphicFramePr>
         <p:xfrm>
-          <a:off x="2593257" y="5161935"/>
+          <a:off x="3103226" y="4891389"/>
           <a:ext cx="6288174" cy="1106195"/>
         </p:xfrm>
         <a:graphic>
@@ -8764,7 +10465,7 @@
                     <a:p>
                       <a:r>
                         <a:rPr lang="en-US" sz="1600" dirty="0"/>
-                        <a:t>Accuracy(Off-by-1)</a:t>
+                        <a:t>Accuracy (Off-by-1)</a:t>
                       </a:r>
                     </a:p>
                   </a:txBody>
@@ -8973,7 +10674,7 @@
         <p:spPr>
           <a:xfrm>
             <a:off x="551836" y="1547352"/>
-            <a:ext cx="10148118" cy="3693319"/>
+            <a:ext cx="10148118" cy="3416320"/>
           </a:xfrm>
           <a:prstGeom prst="rect">
             <a:avLst/>
@@ -9007,39 +10708,13 @@
               <a:buFont typeface="Arial"/>
               <a:buChar char="•"/>
             </a:pPr>
-            <a:r>
-              <a:rPr lang="en-CA" dirty="0">
-                <a:cs typeface="Arial"/>
-              </a:rPr>
-              <a:t>The_Apollo_11_Conspiracy.docx (Size 14.5kb) ​</a:t>
-            </a:r>
-            <a:r>
-              <a:rPr lang="en-US" dirty="0">
-                <a:cs typeface="Arial"/>
-              </a:rPr>
-              <a:t>​</a:t>
-            </a:r>
+            <a:endParaRPr lang="en-US" dirty="0">
+              <a:cs typeface="Arial"/>
+            </a:endParaRPr>
           </a:p>
           <a:p>
             <a:pPr marL="285750" indent="-285750">
               <a:buFont typeface="Arial"/>
-              <a:buChar char="•"/>
-            </a:pPr>
-            <a:r>
-              <a:rPr lang="en-CA" dirty="0">
-                <a:cs typeface="Arial"/>
-              </a:rPr>
-              <a:t>James_Webb_Space_Telescope.html (100 kb/ 9200 words approx.)</a:t>
-            </a:r>
-            <a:r>
-              <a:rPr lang="en-US" dirty="0">
-                <a:cs typeface="Arial"/>
-              </a:rPr>
-              <a:t>​​</a:t>
-            </a:r>
-          </a:p>
-          <a:p>
-            <a:pPr>
               <a:buChar char="•"/>
             </a:pPr>
             <a:endParaRPr lang="en-US" dirty="0">
@@ -9047,111 +10722,35 @@
             </a:endParaRPr>
           </a:p>
           <a:p>
-            <a:r>
-              <a:rPr lang="en-CA" b="1" dirty="0">
-                <a:cs typeface="Segoe UI"/>
-              </a:rPr>
-              <a:t>Execution time: </a:t>
-            </a:r>
-            <a:r>
-              <a:rPr lang="en-CA" dirty="0">
-                <a:cs typeface="Segoe UI"/>
-              </a:rPr>
-              <a:t>​</a:t>
-            </a:r>
-            <a:r>
-              <a:rPr lang="en-US" dirty="0">
-                <a:cs typeface="Segoe UI"/>
-              </a:rPr>
-              <a:t>​</a:t>
-            </a:r>
-          </a:p>
-          <a:p>
             <a:pPr marL="285750" indent="-285750">
               <a:buFont typeface="Arial"/>
               <a:buChar char="•"/>
             </a:pPr>
-            <a:r>
-              <a:rPr lang="en-CA" dirty="0">
-                <a:cs typeface="Arial"/>
-              </a:rPr>
-              <a:t>Sentiment analysis for </a:t>
-            </a:r>
-            <a:r>
-              <a:rPr lang="en-CA" u="sng" dirty="0">
-                <a:cs typeface="Arial"/>
-              </a:rPr>
-              <a:t>The_Apollo_11_Conspiracy.docx</a:t>
-            </a:r>
-            <a:r>
-              <a:rPr lang="en-CA" dirty="0">
-                <a:cs typeface="Arial"/>
-              </a:rPr>
-              <a:t> completed in: </a:t>
-            </a:r>
-            <a:r>
-              <a:rPr lang="en-CA" dirty="0">
-                <a:highlight>
-                  <a:srgbClr val="FFFF00"/>
-                </a:highlight>
-                <a:cs typeface="Arial"/>
-              </a:rPr>
-              <a:t>0.56 seconds </a:t>
-            </a:r>
-            <a:r>
-              <a:rPr lang="en-US" dirty="0">
-                <a:highlight>
-                  <a:srgbClr val="FFFF00"/>
-                </a:highlight>
-                <a:cs typeface="Arial"/>
-              </a:rPr>
-              <a:t>​​</a:t>
-            </a:r>
+            <a:endParaRPr lang="en-US" dirty="0">
+              <a:cs typeface="Arial"/>
+            </a:endParaRPr>
           </a:p>
           <a:p>
             <a:pPr marL="285750" indent="-285750">
               <a:buFont typeface="Arial"/>
               <a:buChar char="•"/>
             </a:pPr>
-            <a:r>
-              <a:rPr lang="en-CA" dirty="0">
-                <a:cs typeface="Arial"/>
-              </a:rPr>
-              <a:t>Sentiment analysis for </a:t>
-            </a:r>
-            <a:r>
-              <a:rPr lang="en-CA" u="sng" dirty="0">
-                <a:cs typeface="Arial"/>
-              </a:rPr>
-              <a:t>James_Webb_Space_Telescope.html</a:t>
-            </a:r>
-            <a:r>
-              <a:rPr lang="en-CA" dirty="0">
-                <a:cs typeface="Arial"/>
-              </a:rPr>
-              <a:t> completed in: </a:t>
-            </a:r>
-            <a:r>
-              <a:rPr lang="en-CA" dirty="0">
-                <a:highlight>
-                  <a:srgbClr val="FFFF00"/>
-                </a:highlight>
-                <a:cs typeface="Arial"/>
-              </a:rPr>
-              <a:t>5.43 seconds</a:t>
-            </a:r>
-            <a:r>
-              <a:rPr lang="en-US" dirty="0">
-                <a:highlight>
-                  <a:srgbClr val="FFFF00"/>
-                </a:highlight>
-                <a:cs typeface="Arial"/>
-              </a:rPr>
-              <a:t>​​</a:t>
-            </a:r>
-          </a:p>
-          <a:p>
-            <a:pPr>
+            <a:endParaRPr lang="en-US" dirty="0">
+              <a:cs typeface="Arial"/>
+            </a:endParaRPr>
+          </a:p>
+          <a:p>
+            <a:pPr marL="285750" indent="-285750">
+              <a:buFont typeface="Arial"/>
+              <a:buChar char="•"/>
+            </a:pPr>
+            <a:endParaRPr lang="en-US" dirty="0">
+              <a:cs typeface="Arial"/>
+            </a:endParaRPr>
+          </a:p>
+          <a:p>
+            <a:pPr marL="285750" indent="-285750">
+              <a:buFont typeface="Arial"/>
               <a:buChar char="•"/>
             </a:pPr>
             <a:endParaRPr lang="en-US" dirty="0">
@@ -9212,7 +10811,7 @@
                 <a:ea typeface="+mn-lt"/>
                 <a:cs typeface="+mn-lt"/>
               </a:rPr>
-              <a:t>Roughly 2x of the execution time of the first model.</a:t>
+              <a:t>Roughly 2x slower than the first model.</a:t>
             </a:r>
           </a:p>
           <a:p>
@@ -9227,6 +10826,275 @@
           </a:p>
         </p:txBody>
       </p:sp>
+      <p:graphicFrame>
+        <p:nvGraphicFramePr>
+          <p:cNvPr id="7" name="Table 2">
+            <a:extLst>
+              <a:ext uri="{FF2B5EF4-FFF2-40B4-BE49-F238E27FC236}">
+                <a16:creationId xmlns:a16="http://schemas.microsoft.com/office/drawing/2014/main" id="{35FB77E5-D445-4A7A-0412-B5E64509DEBA}"/>
+              </a:ext>
+            </a:extLst>
+          </p:cNvPr>
+          <p:cNvGraphicFramePr>
+            <a:graphicFrameLocks noGrp="1"/>
+          </p:cNvGraphicFramePr>
+          <p:nvPr>
+            <p:extLst>
+              <p:ext uri="{D42A27DB-BD31-4B8C-83A1-F6EECF244321}">
+                <p14:modId xmlns:p14="http://schemas.microsoft.com/office/powerpoint/2010/main" val="1061972895"/>
+              </p:ext>
+            </p:extLst>
+          </p:nvPr>
+        </p:nvGraphicFramePr>
+        <p:xfrm>
+          <a:off x="2082013" y="2015239"/>
+          <a:ext cx="8525180" cy="1187454"/>
+        </p:xfrm>
+        <a:graphic>
+          <a:graphicData uri="http://schemas.openxmlformats.org/drawingml/2006/table">
+            <a:tbl>
+              <a:tblPr firstRow="1" bandRow="1">
+                <a:tableStyleId>{5940675A-B579-460E-94D1-54222C63F5DA}</a:tableStyleId>
+              </a:tblPr>
+              <a:tblGrid>
+                <a:gridCol w="4174435">
+                  <a:extLst>
+                    <a:ext uri="{9D8B030D-6E8A-4147-A177-3AD203B41FA5}">
+                      <a16:colId xmlns:a16="http://schemas.microsoft.com/office/drawing/2014/main" val="156838468"/>
+                    </a:ext>
+                  </a:extLst>
+                </a:gridCol>
+                <a:gridCol w="2312369">
+                  <a:extLst>
+                    <a:ext uri="{9D8B030D-6E8A-4147-A177-3AD203B41FA5}">
+                      <a16:colId xmlns:a16="http://schemas.microsoft.com/office/drawing/2014/main" val="3278982087"/>
+                    </a:ext>
+                  </a:extLst>
+                </a:gridCol>
+                <a:gridCol w="2038376">
+                  <a:extLst>
+                    <a:ext uri="{9D8B030D-6E8A-4147-A177-3AD203B41FA5}">
+                      <a16:colId xmlns:a16="http://schemas.microsoft.com/office/drawing/2014/main" val="3934974675"/>
+                    </a:ext>
+                  </a:extLst>
+                </a:gridCol>
+              </a:tblGrid>
+              <a:tr h="395818">
+                <a:tc>
+                  <a:txBody>
+                    <a:bodyPr/>
+                    <a:lstStyle/>
+                    <a:p>
+                      <a:r>
+                        <a:rPr lang="en-US" dirty="0"/>
+                        <a:t>File name</a:t>
+                      </a:r>
+                    </a:p>
+                  </a:txBody>
+                  <a:tcPr/>
+                </a:tc>
+                <a:tc>
+                  <a:txBody>
+                    <a:bodyPr/>
+                    <a:lstStyle/>
+                    <a:p>
+                      <a:r>
+                        <a:rPr lang="en-US" dirty="0"/>
+                        <a:t>File size</a:t>
+                      </a:r>
+                    </a:p>
+                  </a:txBody>
+                  <a:tcPr/>
+                </a:tc>
+                <a:tc>
+                  <a:txBody>
+                    <a:bodyPr/>
+                    <a:lstStyle/>
+                    <a:p>
+                      <a:r>
+                        <a:rPr lang="en-US" dirty="0"/>
+                        <a:t>Execution time</a:t>
+                      </a:r>
+                    </a:p>
+                  </a:txBody>
+                  <a:tcPr/>
+                </a:tc>
+                <a:extLst>
+                  <a:ext uri="{0D108BD9-81ED-4DB2-BD59-A6C34878D82A}">
+                    <a16:rowId xmlns:a16="http://schemas.microsoft.com/office/drawing/2014/main" val="2238375445"/>
+                  </a:ext>
+                </a:extLst>
+              </a:tr>
+              <a:tr h="395818">
+                <a:tc>
+                  <a:txBody>
+                    <a:bodyPr/>
+                    <a:lstStyle/>
+                    <a:p>
+                      <a:pPr lvl="0">
+                        <a:buNone/>
+                      </a:pPr>
+                      <a:r>
+                        <a:rPr lang="en-CA" sz="1800" b="0" i="0" u="none" strike="noStrike" noProof="0" dirty="0">
+                          <a:latin typeface="Arial"/>
+                        </a:rPr>
+                        <a:t>The_Apollo_11_Conspiracy.docx</a:t>
+                      </a:r>
+                      <a:endParaRPr lang="en-US" dirty="0"/>
+                    </a:p>
+                  </a:txBody>
+                  <a:tcPr/>
+                </a:tc>
+                <a:tc>
+                  <a:txBody>
+                    <a:bodyPr/>
+                    <a:lstStyle/>
+                    <a:p>
+                      <a:pPr lvl="0">
+                        <a:buNone/>
+                      </a:pPr>
+                      <a:r>
+                        <a:rPr lang="en-CA" sz="1800" b="0" i="0" u="none" strike="noStrike" noProof="0" dirty="0">
+                          <a:latin typeface="Arial"/>
+                        </a:rPr>
+                        <a:t>14.5 kb | </a:t>
+                      </a:r>
+                      <a:r>
+                        <a:rPr lang="en-CA" sz="1800" b="0" i="0" u="none" strike="noStrike" noProof="0" dirty="0"/>
+                        <a:t>441 </a:t>
+                      </a:r>
+                      <a:r>
+                        <a:rPr lang="en-CA" sz="1800" b="0" i="0" u="none" strike="noStrike" noProof="0" dirty="0">
+                          <a:latin typeface="Arial"/>
+                        </a:rPr>
+                        <a:t>words</a:t>
+                      </a:r>
+                      <a:endParaRPr lang="en-US" dirty="0"/>
+                    </a:p>
+                  </a:txBody>
+                  <a:tcPr/>
+                </a:tc>
+                <a:tc>
+                  <a:txBody>
+                    <a:bodyPr/>
+                    <a:lstStyle/>
+                    <a:p>
+                      <a:pPr lvl="0">
+                        <a:buNone/>
+                      </a:pPr>
+                      <a:r>
+                        <a:rPr lang="en-US" sz="1800" b="0" i="0" u="none" strike="noStrike" baseline="0" noProof="0" dirty="0">
+                          <a:solidFill>
+                            <a:srgbClr val="2A283C"/>
+                          </a:solidFill>
+                          <a:latin typeface="Arial"/>
+                        </a:rPr>
+                        <a:t>0.56</a:t>
+                      </a:r>
+                      <a:r>
+                        <a:rPr lang="en-US" sz="1800" b="0" i="0" u="none" strike="noStrike" noProof="0" dirty="0">
+                          <a:solidFill>
+                            <a:srgbClr val="2A283C"/>
+                          </a:solidFill>
+                          <a:latin typeface="Arial"/>
+                        </a:rPr>
+                        <a:t> seconds </a:t>
+                      </a:r>
+                      <a:endParaRPr lang="en-US" dirty="0"/>
+                    </a:p>
+                  </a:txBody>
+                  <a:tcPr/>
+                </a:tc>
+                <a:extLst>
+                  <a:ext uri="{0D108BD9-81ED-4DB2-BD59-A6C34878D82A}">
+                    <a16:rowId xmlns:a16="http://schemas.microsoft.com/office/drawing/2014/main" val="2112516585"/>
+                  </a:ext>
+                </a:extLst>
+              </a:tr>
+              <a:tr h="395818">
+                <a:tc>
+                  <a:txBody>
+                    <a:bodyPr/>
+                    <a:lstStyle/>
+                    <a:p>
+                      <a:pPr lvl="0">
+                        <a:buNone/>
+                      </a:pPr>
+                      <a:r>
+                        <a:rPr lang="en-CA" sz="1800" b="0" i="0" u="none" strike="noStrike" noProof="0" dirty="0">
+                          <a:latin typeface="Arial"/>
+                        </a:rPr>
+                        <a:t>James_Webb_Space_Telescope.html</a:t>
+                      </a:r>
+                      <a:endParaRPr lang="en-US" dirty="0"/>
+                    </a:p>
+                  </a:txBody>
+                  <a:tcPr/>
+                </a:tc>
+                <a:tc>
+                  <a:txBody>
+                    <a:bodyPr/>
+                    <a:lstStyle/>
+                    <a:p>
+                      <a:pPr lvl="0">
+                        <a:buNone/>
+                      </a:pPr>
+                      <a:r>
+                        <a:rPr lang="en-CA" sz="1800" b="0" i="0" u="none" strike="noStrike" noProof="0" dirty="0">
+                          <a:latin typeface="Arial"/>
+                        </a:rPr>
+                        <a:t>100 kb | </a:t>
+                      </a:r>
+                      <a:r>
+                        <a:rPr lang="en-CA" sz="1800" b="0" i="0" u="none" strike="noStrike" noProof="0" dirty="0"/>
+                        <a:t>6328 words</a:t>
+                      </a:r>
+                      <a:endParaRPr lang="en-US" dirty="0"/>
+                    </a:p>
+                  </a:txBody>
+                  <a:tcPr/>
+                </a:tc>
+                <a:tc>
+                  <a:txBody>
+                    <a:bodyPr/>
+                    <a:lstStyle/>
+                    <a:p>
+                      <a:pPr lvl="0">
+                        <a:buNone/>
+                      </a:pPr>
+                      <a:r>
+                        <a:rPr lang="en-US" sz="1800" b="0" i="0" u="none" strike="noStrike" baseline="0" noProof="0" dirty="0">
+                          <a:solidFill>
+                            <a:srgbClr val="2A283C"/>
+                          </a:solidFill>
+                          <a:latin typeface="Arial"/>
+                        </a:rPr>
+                        <a:t>5.43</a:t>
+                      </a:r>
+                      <a:r>
+                        <a:rPr lang="en-US" sz="1800" b="0" i="0" u="none" strike="noStrike" noProof="0" dirty="0">
+                          <a:solidFill>
+                            <a:srgbClr val="2A283C"/>
+                          </a:solidFill>
+                          <a:latin typeface="Arial"/>
+                        </a:rPr>
+                        <a:t> seconds</a:t>
+                      </a:r>
+                      <a:endParaRPr lang="en-US" dirty="0"/>
+                    </a:p>
+                  </a:txBody>
+                  <a:tcPr/>
+                </a:tc>
+                <a:extLst>
+                  <a:ext uri="{0D108BD9-81ED-4DB2-BD59-A6C34878D82A}">
+                    <a16:rowId xmlns:a16="http://schemas.microsoft.com/office/drawing/2014/main" val="2941384899"/>
+                  </a:ext>
+                </a:extLst>
+              </a:tr>
+            </a:tbl>
+          </a:graphicData>
+        </a:graphic>
+      </p:graphicFrame>
     </p:spTree>
     <p:extLst>
       <p:ext uri="{BB962C8B-B14F-4D97-AF65-F5344CB8AC3E}">
@@ -9415,51 +11283,58 @@
               <a:t>Plots: </a:t>
             </a:r>
             <a:r>
-              <a:rPr lang="en-CA" sz="2000" dirty="0" err="1">
+              <a:rPr lang="en-CA" sz="2000" b="0" dirty="0">
                 <a:solidFill>
-                  <a:schemeClr val="accent5"/>
+                  <a:srgbClr val="0070C0"/>
                 </a:solidFill>
-                <a:latin typeface="+mj-lt"/>
-                <a:cs typeface="Arial"/>
-              </a:rPr>
-              <a:t>nlptown</a:t>
-            </a:r>
-            <a:r>
-              <a:rPr lang="en-CA" sz="2000" dirty="0">
-                <a:solidFill>
-                  <a:schemeClr val="accent5"/>
-                </a:solidFill>
-                <a:latin typeface="+mj-lt"/>
-                <a:cs typeface="Arial"/>
-              </a:rPr>
-              <a:t>/</a:t>
-            </a:r>
-            <a:r>
-              <a:rPr lang="en-CA" sz="2000" dirty="0" err="1">
-                <a:solidFill>
-                  <a:schemeClr val="accent5"/>
-                </a:solidFill>
-                <a:latin typeface="+mj-lt"/>
-                <a:cs typeface="Arial"/>
-              </a:rPr>
-              <a:t>bert</a:t>
-            </a:r>
-            <a:r>
-              <a:rPr lang="en-CA" sz="2000" dirty="0">
-                <a:solidFill>
-                  <a:schemeClr val="accent5"/>
-                </a:solidFill>
-                <a:latin typeface="+mj-lt"/>
-                <a:cs typeface="Arial"/>
-              </a:rPr>
-              <a:t>-base-multilingual-uncased-sentiment</a:t>
-            </a:r>
+                <a:ea typeface="+mn-lt"/>
+                <a:cs typeface="+mn-lt"/>
+                <a:hlinkClick r:id="rId2"/>
+              </a:rPr>
+              <a:t>nlptown/bert-base-multilingual-uncased-sentiment · Hugging Face</a:t>
+            </a:r>
+            <a:r>
+              <a:rPr lang="en-US" sz="2000" b="0" dirty="0">
+                <a:ea typeface="+mn-lt"/>
+                <a:cs typeface="+mn-lt"/>
+              </a:rPr>
+              <a:t> </a:t>
+            </a:r>
+            <a:endParaRPr lang="en-US" sz="2000" b="0">
+              <a:ea typeface="+mn-lt"/>
+              <a:cs typeface="+mn-lt"/>
+            </a:endParaRPr>
           </a:p>
           <a:p>
             <a:pPr marL="0" indent="0">
               <a:buNone/>
             </a:pPr>
-            <a:endParaRPr lang="en-CA"/>
+            <a:endParaRPr lang="en-CA" sz="2000" dirty="0">
+              <a:solidFill>
+                <a:schemeClr val="accent5"/>
+              </a:solidFill>
+              <a:latin typeface="+mj-lt"/>
+              <a:cs typeface="Arial"/>
+            </a:endParaRPr>
+          </a:p>
+          <a:p>
+            <a:pPr marL="0" indent="0">
+              <a:buNone/>
+            </a:pPr>
+            <a:endParaRPr lang="en-CA" sz="2000" dirty="0">
+              <a:solidFill>
+                <a:srgbClr val="2B44D4"/>
+              </a:solidFill>
+              <a:cs typeface="Arial"/>
+            </a:endParaRPr>
+          </a:p>
+          <a:p>
+            <a:pPr marL="0" indent="0">
+              <a:buNone/>
+            </a:pPr>
+            <a:endParaRPr lang="en-CA">
+              <a:cs typeface="Arial"/>
+            </a:endParaRPr>
           </a:p>
         </p:txBody>
       </p:sp>
@@ -9478,7 +11353,7 @@
           <p:nvPr/>
         </p:nvPicPr>
         <p:blipFill>
-          <a:blip r:embed="rId2"/>
+          <a:blip r:embed="rId3"/>
           <a:stretch>
             <a:fillRect/>
           </a:stretch>
@@ -9508,7 +11383,7 @@
           <p:nvPr/>
         </p:nvPicPr>
         <p:blipFill>
-          <a:blip r:embed="rId3"/>
+          <a:blip r:embed="rId4"/>
           <a:stretch>
             <a:fillRect/>
           </a:stretch>
@@ -10039,12 +11914,14 @@
 </file>
 
 <file path=customXml/item1.xml><?xml version="1.0" encoding="utf-8"?>
-<?mso-contentType ?>
-<FormTemplates xmlns="http://schemas.microsoft.com/sharepoint/v3/contenttype/forms">
-  <Display>DocumentLibraryForm</Display>
-  <Edit>DocumentLibraryForm</Edit>
-  <New>DocumentLibraryForm</New>
-</FormTemplates>
+<p:properties xmlns:p="http://schemas.microsoft.com/office/2006/metadata/properties" xmlns:xsi="http://www.w3.org/2001/XMLSchema-instance" xmlns:pc="http://schemas.microsoft.com/office/infopath/2007/PartnerControls">
+  <documentManagement>
+    <TaxCatchAll xmlns="1b1d29c6-a309-4658-a5f5-7150c14c22c0" xsi:nil="true"/>
+    <lcf76f155ced4ddcb4097134ff3c332f xmlns="fd66286f-cd2f-4628-8e8b-4f713f67fae0">
+      <Terms xmlns="http://schemas.microsoft.com/office/infopath/2007/PartnerControls"/>
+    </lcf76f155ced4ddcb4097134ff3c332f>
+  </documentManagement>
+</p:properties>
 </file>
 
 <file path=customXml/item2.xml><?xml version="1.0" encoding="utf-8"?>
@@ -10285,20 +12162,27 @@
 </file>
 
 <file path=customXml/item3.xml><?xml version="1.0" encoding="utf-8"?>
-<p:properties xmlns:p="http://schemas.microsoft.com/office/2006/metadata/properties" xmlns:xsi="http://www.w3.org/2001/XMLSchema-instance" xmlns:pc="http://schemas.microsoft.com/office/infopath/2007/PartnerControls">
-  <documentManagement>
-    <TaxCatchAll xmlns="1b1d29c6-a309-4658-a5f5-7150c14c22c0" xsi:nil="true"/>
-    <lcf76f155ced4ddcb4097134ff3c332f xmlns="fd66286f-cd2f-4628-8e8b-4f713f67fae0">
-      <Terms xmlns="http://schemas.microsoft.com/office/infopath/2007/PartnerControls"/>
-    </lcf76f155ced4ddcb4097134ff3c332f>
-  </documentManagement>
-</p:properties>
+<?mso-contentType ?>
+<FormTemplates xmlns="http://schemas.microsoft.com/sharepoint/v3/contenttype/forms">
+  <Display>DocumentLibraryForm</Display>
+  <Edit>DocumentLibraryForm</Edit>
+  <New>DocumentLibraryForm</New>
+</FormTemplates>
 </file>
 
 <file path=customXml/itemProps1.xml><?xml version="1.0" encoding="utf-8"?>
-<ds:datastoreItem xmlns:ds="http://schemas.openxmlformats.org/officeDocument/2006/customXml" ds:itemID="{731DC259-59B5-459A-B335-86E4DF64B337}">
+<ds:datastoreItem xmlns:ds="http://schemas.openxmlformats.org/officeDocument/2006/customXml" ds:itemID="{83118351-5B25-441D-9890-908C751A3A08}">
   <ds:schemaRefs>
-    <ds:schemaRef ds:uri="http://schemas.microsoft.com/sharepoint/v3/contenttype/forms"/>
+    <ds:schemaRef ds:uri="1b1d29c6-a309-4658-a5f5-7150c14c22c0"/>
+    <ds:schemaRef ds:uri="fd66286f-cd2f-4628-8e8b-4f713f67fae0"/>
+    <ds:schemaRef ds:uri="http://purl.org/dc/dcmitype/"/>
+    <ds:schemaRef ds:uri="http://purl.org/dc/elements/1.1/"/>
+    <ds:schemaRef ds:uri="http://purl.org/dc/terms/"/>
+    <ds:schemaRef ds:uri="http://schemas.microsoft.com/office/2006/documentManagement/types"/>
+    <ds:schemaRef ds:uri="http://schemas.microsoft.com/office/2006/metadata/properties"/>
+    <ds:schemaRef ds:uri="http://schemas.microsoft.com/office/infopath/2007/PartnerControls"/>
+    <ds:schemaRef ds:uri="http://schemas.openxmlformats.org/package/2006/metadata/core-properties"/>
+    <ds:schemaRef ds:uri="http://www.w3.org/XML/1998/namespace"/>
   </ds:schemaRefs>
 </ds:datastoreItem>
 </file>
@@ -10323,18 +12207,9 @@
 </file>
 
 <file path=customXml/itemProps3.xml><?xml version="1.0" encoding="utf-8"?>
-<ds:datastoreItem xmlns:ds="http://schemas.openxmlformats.org/officeDocument/2006/customXml" ds:itemID="{83118351-5B25-441D-9890-908C751A3A08}">
+<ds:datastoreItem xmlns:ds="http://schemas.openxmlformats.org/officeDocument/2006/customXml" ds:itemID="{731DC259-59B5-459A-B335-86E4DF64B337}">
   <ds:schemaRefs>
-    <ds:schemaRef ds:uri="1b1d29c6-a309-4658-a5f5-7150c14c22c0"/>
-    <ds:schemaRef ds:uri="fd66286f-cd2f-4628-8e8b-4f713f67fae0"/>
-    <ds:schemaRef ds:uri="http://purl.org/dc/dcmitype/"/>
-    <ds:schemaRef ds:uri="http://purl.org/dc/elements/1.1/"/>
-    <ds:schemaRef ds:uri="http://purl.org/dc/terms/"/>
-    <ds:schemaRef ds:uri="http://schemas.microsoft.com/office/2006/documentManagement/types"/>
-    <ds:schemaRef ds:uri="http://schemas.microsoft.com/office/2006/metadata/properties"/>
-    <ds:schemaRef ds:uri="http://schemas.microsoft.com/office/infopath/2007/PartnerControls"/>
-    <ds:schemaRef ds:uri="http://schemas.openxmlformats.org/package/2006/metadata/core-properties"/>
-    <ds:schemaRef ds:uri="http://www.w3.org/XML/1998/namespace"/>
+    <ds:schemaRef ds:uri="http://schemas.microsoft.com/sharepoint/v3/contenttype/forms"/>
   </ds:schemaRefs>
 </ds:datastoreItem>
 </file>